--- a/CICD.pptx
+++ b/CICD.pptx
@@ -3751,11 +3751,7 @@
             </a:r>
             <a:r>
               <a:rPr lang="zh-CN" altLang="en-US"/>
-              <a:t>或者域名</a:t>
-            </a:r>
-            <a:r>
-              <a:rPr lang="zh-CN" altLang="en-US"/>
-              <a:t>）</a:t>
+              <a:t>或者域名）</a:t>
             </a:r>
             <a:endParaRPr lang="zh-CN" altLang="en-US"/>
           </a:p>
@@ -4087,7 +4083,7 @@
             </a:r>
             <a:r>
               <a:rPr lang="zh-CN" altLang="en-US"/>
-              <a:t>生成镜像，并推送到个人仓库</a:t>
+              <a:t>生成镜像，并推送到个人仓库。</a:t>
             </a:r>
             <a:endParaRPr lang="zh-CN" altLang="en-US"/>
           </a:p>
@@ -4519,7 +4515,11 @@
           <a:p>
             <a:r>
               <a:rPr lang="en-US" altLang="zh-CN"/>
-              <a:t>Cors</a:t>
+              <a:t>Con</a:t>
+            </a:r>
+            <a:r>
+              <a:rPr lang="en-US" altLang="zh-CN"/>
+              <a:t>s</a:t>
             </a:r>
             <a:endParaRPr lang="en-US" altLang="zh-CN"/>
           </a:p>
@@ -4561,7 +4561,7 @@
               <a:rPr lang="zh-CN" altLang="en-US">
                 <a:sym typeface="+mn-ea"/>
               </a:rPr>
-              <a:t>不够多</a:t>
+              <a:t>不够多。</a:t>
             </a:r>
             <a:endParaRPr lang="zh-CN" altLang="en-US">
               <a:sym typeface="+mn-ea"/>
@@ -4793,11 +4793,7 @@
             </a:r>
             <a:r>
               <a:rPr lang="en-US" altLang="zh-CN"/>
-              <a:t>r</a:t>
-            </a:r>
-            <a:r>
-              <a:rPr lang="en-US" altLang="zh-CN"/>
-              <a:t>pc</a:t>
+              <a:t>rpc</a:t>
             </a:r>
             <a:r>
               <a:rPr lang="zh-CN" altLang="en-US"/>
@@ -5120,11 +5116,7 @@
             </a:r>
             <a:r>
               <a:rPr lang="zh-CN" altLang="en-US"/>
-              <a:t>，即</a:t>
-            </a:r>
-            <a:r>
-              <a:rPr lang="zh-CN" altLang="en-US"/>
-              <a:t>填写</a:t>
+              <a:t>，即填写</a:t>
             </a:r>
             <a:r>
               <a:rPr lang="en-US" altLang="zh-CN"/>

--- a/CICD.pptx
+++ b/CICD.pptx
@@ -5,29 +5,31 @@
     <p:sldMasterId id="2147483648" r:id="rId1"/>
   </p:sldMasterIdLst>
   <p:notesMasterIdLst>
-    <p:notesMasterId r:id="rId16"/>
+    <p:notesMasterId r:id="rId21"/>
   </p:notesMasterIdLst>
   <p:sldIdLst>
-    <p:sldId id="256" r:id="rId3"/>
-    <p:sldId id="257" r:id="rId4"/>
-    <p:sldId id="258" r:id="rId5"/>
-    <p:sldId id="259" r:id="rId6"/>
-    <p:sldId id="260" r:id="rId7"/>
-    <p:sldId id="261" r:id="rId8"/>
-    <p:sldId id="262" r:id="rId9"/>
-    <p:sldId id="263" r:id="rId10"/>
-    <p:sldId id="264" r:id="rId11"/>
-    <p:sldId id="265" r:id="rId12"/>
-    <p:sldId id="266" r:id="rId13"/>
-    <p:sldId id="267" r:id="rId14"/>
-    <p:sldId id="268" r:id="rId15"/>
-    <p:sldId id="270" r:id="rId17"/>
-    <p:sldId id="271" r:id="rId18"/>
-    <p:sldId id="272" r:id="rId19"/>
-    <p:sldId id="273" r:id="rId20"/>
+    <p:sldId id="256" r:id="rId2"/>
+    <p:sldId id="257" r:id="rId3"/>
+    <p:sldId id="258" r:id="rId4"/>
+    <p:sldId id="259" r:id="rId5"/>
+    <p:sldId id="260" r:id="rId6"/>
+    <p:sldId id="261" r:id="rId7"/>
+    <p:sldId id="262" r:id="rId8"/>
+    <p:sldId id="263" r:id="rId9"/>
+    <p:sldId id="264" r:id="rId10"/>
+    <p:sldId id="265" r:id="rId11"/>
+    <p:sldId id="266" r:id="rId12"/>
+    <p:sldId id="267" r:id="rId13"/>
+    <p:sldId id="268" r:id="rId14"/>
+    <p:sldId id="270" r:id="rId15"/>
+    <p:sldId id="271" r:id="rId16"/>
+    <p:sldId id="272" r:id="rId17"/>
+    <p:sldId id="273" r:id="rId18"/>
+    <p:sldId id="274" r:id="rId19"/>
+    <p:sldId id="275" r:id="rId20"/>
   </p:sldIdLst>
   <p:sldSz cx="12192000" cy="6858000"/>
-  <p:notesSz cx="7103745" cy="10234295"/>
+  <p:notesSz cx="7104063" cy="10234613"/>
   <p:defaultTextStyle>
     <a:defPPr>
       <a:defRPr lang="zh-CN"/>
@@ -123,6 +125,11 @@
       </a:defRPr>
     </a:lvl9pPr>
   </p:defaultTextStyle>
+  <p:extLst>
+    <p:ext uri="{EFAFB233-063F-42B5-8137-9DF3F51BA10A}">
+      <p15:sldGuideLst xmlns:p15="http://schemas.microsoft.com/office/powerpoint/2012/main"/>
+    </p:ext>
+  </p:extLst>
 </p:presentation>
 </file>
 
@@ -208,6 +215,7 @@
           <a:p>
             <a:fld id="{D2A48B96-639E-45A3-A0BA-2464DFDB1FAA}" type="datetimeFigureOut">
               <a:rPr lang="zh-CN" altLang="en-US" smtClean="0"/>
+              <a:t>2018/5/20</a:t>
             </a:fld>
             <a:endParaRPr lang="zh-CN" altLang="en-US"/>
           </a:p>
@@ -271,42 +279,37 @@
           <a:p>
             <a:pPr lvl="0"/>
             <a:r>
-              <a:rPr lang="zh-CN" altLang="en-US" smtClean="0"/>
+              <a:rPr lang="zh-CN" altLang="en-US"/>
               <a:t>单击此处编辑母版文本样式</a:t>
             </a:r>
-            <a:endParaRPr lang="zh-CN" altLang="en-US" smtClean="0"/>
           </a:p>
           <a:p>
             <a:pPr lvl="1"/>
             <a:r>
-              <a:rPr lang="zh-CN" altLang="en-US" smtClean="0"/>
+              <a:rPr lang="zh-CN" altLang="en-US"/>
               <a:t>第二级</a:t>
             </a:r>
-            <a:endParaRPr lang="zh-CN" altLang="en-US" smtClean="0"/>
           </a:p>
           <a:p>
             <a:pPr lvl="2"/>
             <a:r>
-              <a:rPr lang="zh-CN" altLang="en-US" smtClean="0"/>
+              <a:rPr lang="zh-CN" altLang="en-US"/>
               <a:t>第三级</a:t>
             </a:r>
-            <a:endParaRPr lang="zh-CN" altLang="en-US" smtClean="0"/>
           </a:p>
           <a:p>
             <a:pPr lvl="3"/>
             <a:r>
-              <a:rPr lang="zh-CN" altLang="en-US" smtClean="0"/>
+              <a:rPr lang="zh-CN" altLang="en-US"/>
               <a:t>第四级</a:t>
             </a:r>
-            <a:endParaRPr lang="zh-CN" altLang="en-US" smtClean="0"/>
           </a:p>
           <a:p>
             <a:pPr lvl="4"/>
             <a:r>
-              <a:rPr lang="zh-CN" altLang="en-US" smtClean="0"/>
+              <a:rPr lang="zh-CN" altLang="en-US"/>
               <a:t>第五级</a:t>
             </a:r>
-            <a:endParaRPr lang="zh-CN" altLang="en-US"/>
           </a:p>
         </p:txBody>
       </p:sp>
@@ -370,6 +373,7 @@
           <a:p>
             <a:fld id="{A6837353-30EB-4A48-80EB-173D804AEFBD}" type="slidenum">
               <a:rPr lang="zh-CN" altLang="en-US" smtClean="0"/>
+              <a:t>‹#›</a:t>
             </a:fld>
             <a:endParaRPr lang="zh-CN" altLang="en-US"/>
           </a:p>
@@ -482,28 +486,45 @@
         <p:cNvGrpSpPr/>
         <p:nvPr/>
       </p:nvGrpSpPr>
-      <p:grpSpPr/>
+      <p:grpSpPr>
+        <a:xfrm>
+          <a:off x="0" y="0"/>
+          <a:ext cx="0" cy="0"/>
+          <a:chOff x="0" y="0"/>
+          <a:chExt cx="0" cy="0"/>
+        </a:xfrm>
+      </p:grpSpPr>
       <p:sp>
         <p:nvSpPr>
           <p:cNvPr id="2" name="幻灯片图像占位符 1"/>
-          <p:cNvSpPr/>
+          <p:cNvSpPr>
+            <a:spLocks noGrp="1" noRot="1" noChangeAspect="1"/>
+          </p:cNvSpPr>
           <p:nvPr>
             <p:ph type="sldImg" idx="2"/>
           </p:nvPr>
         </p:nvSpPr>
+        <p:spPr>
+          <a:xfrm>
+            <a:off x="481013" y="1279525"/>
+            <a:ext cx="6140450" cy="3454400"/>
+          </a:xfrm>
+        </p:spPr>
+      </p:sp>
+      <p:sp>
+        <p:nvSpPr>
+          <p:cNvPr id="3" name="文本占位符 2"/>
+          <p:cNvSpPr>
+            <a:spLocks noGrp="1"/>
+          </p:cNvSpPr>
+          <p:nvPr>
+            <p:ph type="body" idx="3"/>
+          </p:nvPr>
+        </p:nvSpPr>
         <p:spPr/>
-      </p:sp>
-      <p:sp>
-        <p:nvSpPr>
-          <p:cNvPr id="3" name="文本占位符 2"/>
-          <p:cNvSpPr/>
-          <p:nvPr>
-            <p:ph type="body" idx="3"/>
-          </p:nvPr>
-        </p:nvSpPr>
-        <p:spPr/>
-        <p:txBody>
-          <a:bodyPr/>
+        <p:txBody>
+          <a:bodyPr/>
+          <a:lstStyle/>
           <a:p>
             <a:endParaRPr lang="zh-CN" altLang="en-US"/>
           </a:p>
@@ -526,28 +547,45 @@
         <p:cNvGrpSpPr/>
         <p:nvPr/>
       </p:nvGrpSpPr>
-      <p:grpSpPr/>
+      <p:grpSpPr>
+        <a:xfrm>
+          <a:off x="0" y="0"/>
+          <a:ext cx="0" cy="0"/>
+          <a:chOff x="0" y="0"/>
+          <a:chExt cx="0" cy="0"/>
+        </a:xfrm>
+      </p:grpSpPr>
       <p:sp>
         <p:nvSpPr>
           <p:cNvPr id="2" name="幻灯片图像占位符 1"/>
-          <p:cNvSpPr/>
+          <p:cNvSpPr>
+            <a:spLocks noGrp="1" noRot="1" noChangeAspect="1"/>
+          </p:cNvSpPr>
           <p:nvPr>
             <p:ph type="sldImg" idx="2"/>
           </p:nvPr>
         </p:nvSpPr>
+        <p:spPr>
+          <a:xfrm>
+            <a:off x="481013" y="1279525"/>
+            <a:ext cx="6140450" cy="3454400"/>
+          </a:xfrm>
+        </p:spPr>
+      </p:sp>
+      <p:sp>
+        <p:nvSpPr>
+          <p:cNvPr id="3" name="文本占位符 2"/>
+          <p:cNvSpPr>
+            <a:spLocks noGrp="1"/>
+          </p:cNvSpPr>
+          <p:nvPr>
+            <p:ph type="body" idx="3"/>
+          </p:nvPr>
+        </p:nvSpPr>
         <p:spPr/>
-      </p:sp>
-      <p:sp>
-        <p:nvSpPr>
-          <p:cNvPr id="3" name="文本占位符 2"/>
-          <p:cNvSpPr/>
-          <p:nvPr>
-            <p:ph type="body" idx="3"/>
-          </p:nvPr>
-        </p:nvSpPr>
-        <p:spPr/>
-        <p:txBody>
-          <a:bodyPr/>
+        <p:txBody>
+          <a:bodyPr/>
+          <a:lstStyle/>
           <a:p>
             <a:endParaRPr lang="zh-CN" altLang="en-US"/>
           </a:p>
@@ -603,10 +641,9 @@
           </a:lstStyle>
           <a:p>
             <a:r>
-              <a:rPr lang="zh-CN" altLang="en-US" smtClean="0"/>
+              <a:rPr lang="zh-CN" altLang="en-US"/>
               <a:t>单击此处编辑母版标题样式</a:t>
             </a:r>
-            <a:endParaRPr lang="zh-CN" altLang="en-US"/>
           </a:p>
         </p:txBody>
       </p:sp>
@@ -675,10 +712,9 @@
           </a:lstStyle>
           <a:p>
             <a:r>
-              <a:rPr lang="zh-CN" altLang="en-US" smtClean="0"/>
+              <a:rPr lang="zh-CN" altLang="en-US"/>
               <a:t>单击此处编辑母版副标题样式</a:t>
             </a:r>
-            <a:endParaRPr lang="zh-CN" altLang="en-US"/>
           </a:p>
         </p:txBody>
       </p:sp>
@@ -699,6 +735,7 @@
           <a:p>
             <a:fld id="{82F288E0-7875-42C4-84C8-98DBBD3BF4D2}" type="datetimeFigureOut">
               <a:rPr lang="zh-CN" altLang="en-US" smtClean="0"/>
+              <a:t>2018/5/20</a:t>
             </a:fld>
             <a:endParaRPr lang="zh-CN" altLang="en-US"/>
           </a:p>
@@ -740,6 +777,7 @@
           <a:p>
             <a:fld id="{7D9BB5D0-35E4-459D-AEF3-FE4D7C45CC19}" type="slidenum">
               <a:rPr lang="zh-CN" altLang="en-US" smtClean="0"/>
+              <a:t>‹#›</a:t>
             </a:fld>
             <a:endParaRPr lang="zh-CN" altLang="en-US"/>
           </a:p>
@@ -750,13 +788,13 @@
   <p:clrMapOvr>
     <a:masterClrMapping/>
   </p:clrMapOvr>
-  <mc:AlternateContent xmlns:mc="http://schemas.openxmlformats.org/markup-compatibility/2006">
-    <mc:Choice xmlns:p14="http://schemas.microsoft.com/office/powerpoint/2010/main" Requires="p14">
+  <mc:AlternateContent xmlns:mc="http://schemas.openxmlformats.org/markup-compatibility/2006" xmlns:p14="http://schemas.microsoft.com/office/powerpoint/2010/main">
+    <mc:Choice Requires="p14">
       <p:transition p14:dur="250">
         <p:fade/>
       </p:transition>
     </mc:Choice>
-    <mc:Fallback>
+    <mc:Fallback xmlns="">
       <p:transition>
         <p:fade/>
       </p:transition>
@@ -808,42 +846,37 @@
           <a:p>
             <a:pPr lvl="0"/>
             <a:r>
-              <a:rPr lang="zh-CN" altLang="en-US" smtClean="0"/>
+              <a:rPr lang="zh-CN" altLang="en-US"/>
               <a:t>单击此处编辑母版文本样式</a:t>
             </a:r>
-            <a:endParaRPr lang="zh-CN" altLang="en-US" smtClean="0"/>
           </a:p>
           <a:p>
             <a:pPr lvl="1"/>
             <a:r>
-              <a:rPr lang="zh-CN" altLang="en-US" smtClean="0"/>
+              <a:rPr lang="zh-CN" altLang="en-US"/>
               <a:t>第二级</a:t>
             </a:r>
-            <a:endParaRPr lang="zh-CN" altLang="en-US" smtClean="0"/>
           </a:p>
           <a:p>
             <a:pPr lvl="2"/>
             <a:r>
-              <a:rPr lang="zh-CN" altLang="en-US" smtClean="0"/>
+              <a:rPr lang="zh-CN" altLang="en-US"/>
               <a:t>第三级</a:t>
             </a:r>
-            <a:endParaRPr lang="zh-CN" altLang="en-US" smtClean="0"/>
           </a:p>
           <a:p>
             <a:pPr lvl="3"/>
             <a:r>
-              <a:rPr lang="zh-CN" altLang="en-US" smtClean="0"/>
+              <a:rPr lang="zh-CN" altLang="en-US"/>
               <a:t>第四级</a:t>
             </a:r>
-            <a:endParaRPr lang="zh-CN" altLang="en-US" smtClean="0"/>
           </a:p>
           <a:p>
             <a:pPr lvl="4"/>
             <a:r>
-              <a:rPr lang="zh-CN" altLang="en-US" smtClean="0"/>
+              <a:rPr lang="zh-CN" altLang="en-US"/>
               <a:t>第五级</a:t>
             </a:r>
-            <a:endParaRPr lang="zh-CN" altLang="en-US"/>
           </a:p>
         </p:txBody>
       </p:sp>
@@ -864,6 +897,7 @@
           <a:p>
             <a:fld id="{82F288E0-7875-42C4-84C8-98DBBD3BF4D2}" type="datetimeFigureOut">
               <a:rPr lang="zh-CN" altLang="en-US" smtClean="0"/>
+              <a:t>2018/5/20</a:t>
             </a:fld>
             <a:endParaRPr lang="zh-CN" altLang="en-US"/>
           </a:p>
@@ -905,6 +939,7 @@
           <a:p>
             <a:fld id="{7D9BB5D0-35E4-459D-AEF3-FE4D7C45CC19}" type="slidenum">
               <a:rPr lang="zh-CN" altLang="en-US" smtClean="0"/>
+              <a:t>‹#›</a:t>
             </a:fld>
             <a:endParaRPr lang="zh-CN" altLang="en-US"/>
           </a:p>
@@ -915,13 +950,13 @@
   <p:clrMapOvr>
     <a:masterClrMapping/>
   </p:clrMapOvr>
-  <mc:AlternateContent xmlns:mc="http://schemas.openxmlformats.org/markup-compatibility/2006">
-    <mc:Choice xmlns:p14="http://schemas.microsoft.com/office/powerpoint/2010/main" Requires="p14">
+  <mc:AlternateContent xmlns:mc="http://schemas.openxmlformats.org/markup-compatibility/2006" xmlns:p14="http://schemas.microsoft.com/office/powerpoint/2010/main">
+    <mc:Choice Requires="p14">
       <p:transition p14:dur="250">
         <p:fade/>
       </p:transition>
     </mc:Choice>
-    <mc:Fallback>
+    <mc:Fallback xmlns="">
       <p:transition>
         <p:fade/>
       </p:transition>
@@ -964,6 +999,7 @@
           <a:p>
             <a:fld id="{82F288E0-7875-42C4-84C8-98DBBD3BF4D2}" type="datetimeFigureOut">
               <a:rPr lang="zh-CN" altLang="en-US" smtClean="0"/>
+              <a:t>2018/5/20</a:t>
             </a:fld>
             <a:endParaRPr lang="zh-CN" altLang="en-US"/>
           </a:p>
@@ -1005,6 +1041,7 @@
           <a:p>
             <a:fld id="{7D9BB5D0-35E4-459D-AEF3-FE4D7C45CC19}" type="slidenum">
               <a:rPr lang="zh-CN" altLang="en-US" smtClean="0"/>
+              <a:t>‹#›</a:t>
             </a:fld>
             <a:endParaRPr lang="zh-CN" altLang="en-US"/>
           </a:p>
@@ -1015,13 +1052,13 @@
   <p:clrMapOvr>
     <a:masterClrMapping/>
   </p:clrMapOvr>
-  <mc:AlternateContent xmlns:mc="http://schemas.openxmlformats.org/markup-compatibility/2006">
-    <mc:Choice xmlns:p14="http://schemas.microsoft.com/office/powerpoint/2010/main" Requires="p14">
+  <mc:AlternateContent xmlns:mc="http://schemas.openxmlformats.org/markup-compatibility/2006" xmlns:p14="http://schemas.microsoft.com/office/powerpoint/2010/main">
+    <mc:Choice Requires="p14">
       <p:transition p14:dur="250">
         <p:fade/>
       </p:transition>
     </mc:Choice>
-    <mc:Fallback>
+    <mc:Fallback xmlns="">
       <p:transition>
         <p:fade/>
       </p:transition>
@@ -1068,10 +1105,9 @@
           <a:lstStyle/>
           <a:p>
             <a:r>
-              <a:rPr lang="zh-CN" altLang="en-US" smtClean="0"/>
+              <a:rPr lang="zh-CN" altLang="en-US"/>
               <a:t>单击此处编辑母版标题样式</a:t>
             </a:r>
-            <a:endParaRPr lang="zh-CN" altLang="en-US"/>
           </a:p>
         </p:txBody>
       </p:sp>
@@ -1101,42 +1137,37 @@
           <a:p>
             <a:pPr lvl="0"/>
             <a:r>
-              <a:rPr lang="zh-CN" altLang="en-US" smtClean="0"/>
+              <a:rPr lang="zh-CN" altLang="en-US"/>
               <a:t>单击此处编辑母版文本样式</a:t>
             </a:r>
-            <a:endParaRPr lang="zh-CN" altLang="en-US" smtClean="0"/>
           </a:p>
           <a:p>
             <a:pPr lvl="1"/>
             <a:r>
-              <a:rPr lang="zh-CN" altLang="en-US" smtClean="0"/>
+              <a:rPr lang="zh-CN" altLang="en-US"/>
               <a:t>第二级</a:t>
             </a:r>
-            <a:endParaRPr lang="zh-CN" altLang="en-US" smtClean="0"/>
           </a:p>
           <a:p>
             <a:pPr lvl="2"/>
             <a:r>
-              <a:rPr lang="zh-CN" altLang="en-US" smtClean="0"/>
+              <a:rPr lang="zh-CN" altLang="en-US"/>
               <a:t>第三级</a:t>
             </a:r>
-            <a:endParaRPr lang="zh-CN" altLang="en-US" smtClean="0"/>
           </a:p>
           <a:p>
             <a:pPr lvl="3"/>
             <a:r>
-              <a:rPr lang="zh-CN" altLang="en-US" smtClean="0"/>
+              <a:rPr lang="zh-CN" altLang="en-US"/>
               <a:t>第四级</a:t>
             </a:r>
-            <a:endParaRPr lang="zh-CN" altLang="en-US" smtClean="0"/>
           </a:p>
           <a:p>
             <a:pPr lvl="4"/>
             <a:r>
-              <a:rPr lang="zh-CN" altLang="en-US" smtClean="0"/>
+              <a:rPr lang="zh-CN" altLang="en-US"/>
               <a:t>第五级</a:t>
             </a:r>
-            <a:endParaRPr lang="zh-CN" altLang="en-US"/>
           </a:p>
         </p:txBody>
       </p:sp>
@@ -1157,6 +1188,7 @@
           <a:p>
             <a:fld id="{82F288E0-7875-42C4-84C8-98DBBD3BF4D2}" type="datetimeFigureOut">
               <a:rPr lang="zh-CN" altLang="en-US" smtClean="0"/>
+              <a:t>2018/5/20</a:t>
             </a:fld>
             <a:endParaRPr lang="zh-CN" altLang="en-US"/>
           </a:p>
@@ -1198,6 +1230,7 @@
           <a:p>
             <a:fld id="{7D9BB5D0-35E4-459D-AEF3-FE4D7C45CC19}" type="slidenum">
               <a:rPr lang="zh-CN" altLang="en-US" smtClean="0"/>
+              <a:t>‹#›</a:t>
             </a:fld>
             <a:endParaRPr lang="zh-CN" altLang="en-US"/>
           </a:p>
@@ -1208,13 +1241,13 @@
   <p:clrMapOvr>
     <a:masterClrMapping/>
   </p:clrMapOvr>
-  <mc:AlternateContent xmlns:mc="http://schemas.openxmlformats.org/markup-compatibility/2006">
-    <mc:Choice xmlns:p14="http://schemas.microsoft.com/office/powerpoint/2010/main" Requires="p14">
+  <mc:AlternateContent xmlns:mc="http://schemas.openxmlformats.org/markup-compatibility/2006" xmlns:p14="http://schemas.microsoft.com/office/powerpoint/2010/main">
+    <mc:Choice Requires="p14">
       <p:transition p14:dur="250">
         <p:fade/>
       </p:transition>
     </mc:Choice>
-    <mc:Fallback>
+    <mc:Fallback xmlns="">
       <p:transition>
         <p:fade/>
       </p:transition>
@@ -1265,10 +1298,9 @@
           </a:lstStyle>
           <a:p>
             <a:r>
-              <a:rPr lang="zh-CN" altLang="en-US" smtClean="0"/>
+              <a:rPr lang="zh-CN" altLang="en-US"/>
               <a:t>单击此处编辑母版标题样式</a:t>
             </a:r>
-            <a:endParaRPr lang="zh-CN" altLang="en-US"/>
           </a:p>
         </p:txBody>
       </p:sp>
@@ -1386,10 +1418,9 @@
           <a:p>
             <a:pPr lvl="0"/>
             <a:r>
-              <a:rPr lang="zh-CN" altLang="en-US" smtClean="0"/>
+              <a:rPr lang="zh-CN" altLang="en-US"/>
               <a:t>单击此处编辑母版文本样式</a:t>
             </a:r>
-            <a:endParaRPr lang="zh-CN" altLang="en-US" smtClean="0"/>
           </a:p>
         </p:txBody>
       </p:sp>
@@ -1410,6 +1441,7 @@
           <a:p>
             <a:fld id="{82F288E0-7875-42C4-84C8-98DBBD3BF4D2}" type="datetimeFigureOut">
               <a:rPr lang="zh-CN" altLang="en-US" smtClean="0"/>
+              <a:t>2018/5/20</a:t>
             </a:fld>
             <a:endParaRPr lang="zh-CN" altLang="en-US"/>
           </a:p>
@@ -1451,6 +1483,7 @@
           <a:p>
             <a:fld id="{7D9BB5D0-35E4-459D-AEF3-FE4D7C45CC19}" type="slidenum">
               <a:rPr lang="zh-CN" altLang="en-US" smtClean="0"/>
+              <a:t>‹#›</a:t>
             </a:fld>
             <a:endParaRPr lang="zh-CN" altLang="en-US"/>
           </a:p>
@@ -1461,13 +1494,13 @@
   <p:clrMapOvr>
     <a:masterClrMapping/>
   </p:clrMapOvr>
-  <mc:AlternateContent xmlns:mc="http://schemas.openxmlformats.org/markup-compatibility/2006">
-    <mc:Choice xmlns:p14="http://schemas.microsoft.com/office/powerpoint/2010/main" Requires="p14">
+  <mc:AlternateContent xmlns:mc="http://schemas.openxmlformats.org/markup-compatibility/2006" xmlns:p14="http://schemas.microsoft.com/office/powerpoint/2010/main">
+    <mc:Choice Requires="p14">
       <p:transition p14:dur="250">
         <p:fade/>
       </p:transition>
     </mc:Choice>
-    <mc:Fallback>
+    <mc:Fallback xmlns="">
       <p:transition>
         <p:fade/>
       </p:transition>
@@ -1513,10 +1546,9 @@
           </a:lstStyle>
           <a:p>
             <a:r>
-              <a:rPr lang="zh-CN" altLang="en-US" smtClean="0"/>
+              <a:rPr lang="zh-CN" altLang="en-US"/>
               <a:t>单击此处编辑母版标题样式</a:t>
             </a:r>
-            <a:endParaRPr lang="zh-CN" altLang="en-US"/>
           </a:p>
         </p:txBody>
       </p:sp>
@@ -1542,42 +1574,37 @@
           <a:p>
             <a:pPr lvl="0"/>
             <a:r>
-              <a:rPr lang="zh-CN" altLang="en-US" smtClean="0"/>
+              <a:rPr lang="zh-CN" altLang="en-US"/>
               <a:t>单击此处编辑母版文本样式</a:t>
             </a:r>
-            <a:endParaRPr lang="zh-CN" altLang="en-US" smtClean="0"/>
           </a:p>
           <a:p>
             <a:pPr lvl="1"/>
             <a:r>
-              <a:rPr lang="zh-CN" altLang="en-US" smtClean="0"/>
+              <a:rPr lang="zh-CN" altLang="en-US"/>
               <a:t>第二级</a:t>
             </a:r>
-            <a:endParaRPr lang="zh-CN" altLang="en-US" smtClean="0"/>
           </a:p>
           <a:p>
             <a:pPr lvl="2"/>
             <a:r>
-              <a:rPr lang="zh-CN" altLang="en-US" smtClean="0"/>
+              <a:rPr lang="zh-CN" altLang="en-US"/>
               <a:t>第三级</a:t>
             </a:r>
-            <a:endParaRPr lang="zh-CN" altLang="en-US" smtClean="0"/>
           </a:p>
           <a:p>
             <a:pPr lvl="3"/>
             <a:r>
-              <a:rPr lang="zh-CN" altLang="en-US" smtClean="0"/>
+              <a:rPr lang="zh-CN" altLang="en-US"/>
               <a:t>第四级</a:t>
             </a:r>
-            <a:endParaRPr lang="zh-CN" altLang="en-US" smtClean="0"/>
           </a:p>
           <a:p>
             <a:pPr lvl="4"/>
             <a:r>
-              <a:rPr lang="zh-CN" altLang="en-US" smtClean="0"/>
+              <a:rPr lang="zh-CN" altLang="en-US"/>
               <a:t>第五级</a:t>
             </a:r>
-            <a:endParaRPr lang="zh-CN" altLang="en-US"/>
           </a:p>
         </p:txBody>
       </p:sp>
@@ -1603,42 +1630,37 @@
           <a:p>
             <a:pPr lvl="0"/>
             <a:r>
-              <a:rPr lang="zh-CN" altLang="en-US" smtClean="0"/>
+              <a:rPr lang="zh-CN" altLang="en-US"/>
               <a:t>单击此处编辑母版文本样式</a:t>
             </a:r>
-            <a:endParaRPr lang="zh-CN" altLang="en-US" smtClean="0"/>
           </a:p>
           <a:p>
             <a:pPr lvl="1"/>
             <a:r>
-              <a:rPr lang="zh-CN" altLang="en-US" smtClean="0"/>
+              <a:rPr lang="zh-CN" altLang="en-US"/>
               <a:t>第二级</a:t>
             </a:r>
-            <a:endParaRPr lang="zh-CN" altLang="en-US" smtClean="0"/>
           </a:p>
           <a:p>
             <a:pPr lvl="2"/>
             <a:r>
-              <a:rPr lang="zh-CN" altLang="en-US" smtClean="0"/>
+              <a:rPr lang="zh-CN" altLang="en-US"/>
               <a:t>第三级</a:t>
             </a:r>
-            <a:endParaRPr lang="zh-CN" altLang="en-US" smtClean="0"/>
           </a:p>
           <a:p>
             <a:pPr lvl="3"/>
             <a:r>
-              <a:rPr lang="zh-CN" altLang="en-US" smtClean="0"/>
+              <a:rPr lang="zh-CN" altLang="en-US"/>
               <a:t>第四级</a:t>
             </a:r>
-            <a:endParaRPr lang="zh-CN" altLang="en-US" smtClean="0"/>
           </a:p>
           <a:p>
             <a:pPr lvl="4"/>
             <a:r>
-              <a:rPr lang="zh-CN" altLang="en-US" smtClean="0"/>
+              <a:rPr lang="zh-CN" altLang="en-US"/>
               <a:t>第五级</a:t>
             </a:r>
-            <a:endParaRPr lang="zh-CN" altLang="en-US"/>
           </a:p>
         </p:txBody>
       </p:sp>
@@ -1659,6 +1681,7 @@
           <a:p>
             <a:fld id="{82F288E0-7875-42C4-84C8-98DBBD3BF4D2}" type="datetimeFigureOut">
               <a:rPr lang="zh-CN" altLang="en-US" smtClean="0"/>
+              <a:t>2018/5/20</a:t>
             </a:fld>
             <a:endParaRPr lang="zh-CN" altLang="en-US"/>
           </a:p>
@@ -1700,6 +1723,7 @@
           <a:p>
             <a:fld id="{7D9BB5D0-35E4-459D-AEF3-FE4D7C45CC19}" type="slidenum">
               <a:rPr lang="zh-CN" altLang="en-US" smtClean="0"/>
+              <a:t>‹#›</a:t>
             </a:fld>
             <a:endParaRPr lang="zh-CN" altLang="en-US"/>
           </a:p>
@@ -1710,13 +1734,13 @@
   <p:clrMapOvr>
     <a:masterClrMapping/>
   </p:clrMapOvr>
-  <mc:AlternateContent xmlns:mc="http://schemas.openxmlformats.org/markup-compatibility/2006">
-    <mc:Choice xmlns:p14="http://schemas.microsoft.com/office/powerpoint/2010/main" Requires="p14">
+  <mc:AlternateContent xmlns:mc="http://schemas.openxmlformats.org/markup-compatibility/2006" xmlns:p14="http://schemas.microsoft.com/office/powerpoint/2010/main">
+    <mc:Choice Requires="p14">
       <p:transition p14:dur="250">
         <p:fade/>
       </p:transition>
     </mc:Choice>
-    <mc:Fallback>
+    <mc:Fallback xmlns="">
       <p:transition>
         <p:fade/>
       </p:transition>
@@ -1767,10 +1791,9 @@
           </a:lstStyle>
           <a:p>
             <a:r>
-              <a:rPr lang="zh-CN" altLang="en-US" smtClean="0"/>
+              <a:rPr lang="zh-CN" altLang="en-US"/>
               <a:t>单击此处编辑母版标题样式</a:t>
             </a:r>
-            <a:endParaRPr lang="zh-CN" altLang="en-US"/>
           </a:p>
         </p:txBody>
       </p:sp>
@@ -1837,10 +1860,9 @@
           <a:p>
             <a:pPr lvl="0"/>
             <a:r>
-              <a:rPr lang="zh-CN" altLang="en-US" smtClean="0"/>
+              <a:rPr lang="zh-CN" altLang="en-US"/>
               <a:t>单击此处编辑母版文本样式</a:t>
             </a:r>
-            <a:endParaRPr lang="zh-CN" altLang="en-US" smtClean="0"/>
           </a:p>
         </p:txBody>
       </p:sp>
@@ -1870,42 +1892,37 @@
           <a:p>
             <a:pPr lvl="0"/>
             <a:r>
-              <a:rPr lang="zh-CN" altLang="en-US" smtClean="0"/>
+              <a:rPr lang="zh-CN" altLang="en-US"/>
               <a:t>单击此处编辑母版文本样式</a:t>
             </a:r>
-            <a:endParaRPr lang="zh-CN" altLang="en-US" smtClean="0"/>
           </a:p>
           <a:p>
             <a:pPr lvl="1"/>
             <a:r>
-              <a:rPr lang="zh-CN" altLang="en-US" smtClean="0"/>
+              <a:rPr lang="zh-CN" altLang="en-US"/>
               <a:t>第二级</a:t>
             </a:r>
-            <a:endParaRPr lang="zh-CN" altLang="en-US" smtClean="0"/>
           </a:p>
           <a:p>
             <a:pPr lvl="2"/>
             <a:r>
-              <a:rPr lang="zh-CN" altLang="en-US" smtClean="0"/>
+              <a:rPr lang="zh-CN" altLang="en-US"/>
               <a:t>第三级</a:t>
             </a:r>
-            <a:endParaRPr lang="zh-CN" altLang="en-US" smtClean="0"/>
           </a:p>
           <a:p>
             <a:pPr lvl="3"/>
             <a:r>
-              <a:rPr lang="zh-CN" altLang="en-US" smtClean="0"/>
+              <a:rPr lang="zh-CN" altLang="en-US"/>
               <a:t>第四级</a:t>
             </a:r>
-            <a:endParaRPr lang="zh-CN" altLang="en-US" smtClean="0"/>
           </a:p>
           <a:p>
             <a:pPr lvl="4"/>
             <a:r>
-              <a:rPr lang="zh-CN" altLang="en-US" smtClean="0"/>
+              <a:rPr lang="zh-CN" altLang="en-US"/>
               <a:t>第五级</a:t>
             </a:r>
-            <a:endParaRPr lang="zh-CN" altLang="en-US"/>
           </a:p>
         </p:txBody>
       </p:sp>
@@ -1972,10 +1989,9 @@
           <a:p>
             <a:pPr lvl="0"/>
             <a:r>
-              <a:rPr lang="zh-CN" altLang="en-US" smtClean="0"/>
+              <a:rPr lang="zh-CN" altLang="en-US"/>
               <a:t>单击此处编辑母版文本样式</a:t>
             </a:r>
-            <a:endParaRPr lang="zh-CN" altLang="en-US" smtClean="0"/>
           </a:p>
         </p:txBody>
       </p:sp>
@@ -2005,42 +2021,37 @@
           <a:p>
             <a:pPr lvl="0"/>
             <a:r>
-              <a:rPr lang="zh-CN" altLang="en-US" smtClean="0"/>
+              <a:rPr lang="zh-CN" altLang="en-US"/>
               <a:t>单击此处编辑母版文本样式</a:t>
             </a:r>
-            <a:endParaRPr lang="zh-CN" altLang="en-US" smtClean="0"/>
           </a:p>
           <a:p>
             <a:pPr lvl="1"/>
             <a:r>
-              <a:rPr lang="zh-CN" altLang="en-US" smtClean="0"/>
+              <a:rPr lang="zh-CN" altLang="en-US"/>
               <a:t>第二级</a:t>
             </a:r>
-            <a:endParaRPr lang="zh-CN" altLang="en-US" smtClean="0"/>
           </a:p>
           <a:p>
             <a:pPr lvl="2"/>
             <a:r>
-              <a:rPr lang="zh-CN" altLang="en-US" smtClean="0"/>
+              <a:rPr lang="zh-CN" altLang="en-US"/>
               <a:t>第三级</a:t>
             </a:r>
-            <a:endParaRPr lang="zh-CN" altLang="en-US" smtClean="0"/>
           </a:p>
           <a:p>
             <a:pPr lvl="3"/>
             <a:r>
-              <a:rPr lang="zh-CN" altLang="en-US" smtClean="0"/>
+              <a:rPr lang="zh-CN" altLang="en-US"/>
               <a:t>第四级</a:t>
             </a:r>
-            <a:endParaRPr lang="zh-CN" altLang="en-US" smtClean="0"/>
           </a:p>
           <a:p>
             <a:pPr lvl="4"/>
             <a:r>
-              <a:rPr lang="zh-CN" altLang="en-US" smtClean="0"/>
+              <a:rPr lang="zh-CN" altLang="en-US"/>
               <a:t>第五级</a:t>
             </a:r>
-            <a:endParaRPr lang="zh-CN" altLang="en-US"/>
           </a:p>
         </p:txBody>
       </p:sp>
@@ -2061,6 +2072,7 @@
           <a:p>
             <a:fld id="{82F288E0-7875-42C4-84C8-98DBBD3BF4D2}" type="datetimeFigureOut">
               <a:rPr lang="zh-CN" altLang="en-US" smtClean="0"/>
+              <a:t>2018/5/20</a:t>
             </a:fld>
             <a:endParaRPr lang="zh-CN" altLang="en-US"/>
           </a:p>
@@ -2102,6 +2114,7 @@
           <a:p>
             <a:fld id="{7D9BB5D0-35E4-459D-AEF3-FE4D7C45CC19}" type="slidenum">
               <a:rPr lang="zh-CN" altLang="en-US" smtClean="0"/>
+              <a:t>‹#›</a:t>
             </a:fld>
             <a:endParaRPr lang="zh-CN" altLang="en-US"/>
           </a:p>
@@ -2112,13 +2125,13 @@
   <p:clrMapOvr>
     <a:masterClrMapping/>
   </p:clrMapOvr>
-  <mc:AlternateContent xmlns:mc="http://schemas.openxmlformats.org/markup-compatibility/2006">
-    <mc:Choice xmlns:p14="http://schemas.microsoft.com/office/powerpoint/2010/main" Requires="p14">
+  <mc:AlternateContent xmlns:mc="http://schemas.openxmlformats.org/markup-compatibility/2006" xmlns:p14="http://schemas.microsoft.com/office/powerpoint/2010/main">
+    <mc:Choice Requires="p14">
       <p:transition p14:dur="250">
         <p:fade/>
       </p:transition>
     </mc:Choice>
-    <mc:Fallback>
+    <mc:Fallback xmlns="">
       <p:transition>
         <p:fade/>
       </p:transition>
@@ -2165,10 +2178,9 @@
           <a:lstStyle/>
           <a:p>
             <a:r>
-              <a:rPr lang="zh-CN" altLang="en-US" smtClean="0"/>
+              <a:rPr lang="zh-CN" altLang="en-US"/>
               <a:t>单击此处编辑母版标题样式</a:t>
             </a:r>
-            <a:endParaRPr lang="zh-CN" altLang="en-US"/>
           </a:p>
         </p:txBody>
       </p:sp>
@@ -2189,6 +2201,7 @@
           <a:p>
             <a:fld id="{82F288E0-7875-42C4-84C8-98DBBD3BF4D2}" type="datetimeFigureOut">
               <a:rPr lang="zh-CN" altLang="en-US" smtClean="0"/>
+              <a:t>2018/5/20</a:t>
             </a:fld>
             <a:endParaRPr lang="zh-CN" altLang="en-US"/>
           </a:p>
@@ -2230,6 +2243,7 @@
           <a:p>
             <a:fld id="{7D9BB5D0-35E4-459D-AEF3-FE4D7C45CC19}" type="slidenum">
               <a:rPr lang="zh-CN" altLang="en-US" smtClean="0"/>
+              <a:t>‹#›</a:t>
             </a:fld>
             <a:endParaRPr lang="zh-CN" altLang="en-US"/>
           </a:p>
@@ -2240,13 +2254,13 @@
   <p:clrMapOvr>
     <a:masterClrMapping/>
   </p:clrMapOvr>
-  <mc:AlternateContent xmlns:mc="http://schemas.openxmlformats.org/markup-compatibility/2006">
-    <mc:Choice xmlns:p14="http://schemas.microsoft.com/office/powerpoint/2010/main" Requires="p14">
+  <mc:AlternateContent xmlns:mc="http://schemas.openxmlformats.org/markup-compatibility/2006" xmlns:p14="http://schemas.microsoft.com/office/powerpoint/2010/main">
+    <mc:Choice Requires="p14">
       <p:transition p14:dur="250">
         <p:fade/>
       </p:transition>
     </mc:Choice>
-    <mc:Fallback>
+    <mc:Fallback xmlns="">
       <p:transition>
         <p:fade/>
       </p:transition>
@@ -2366,10 +2380,9 @@
           </a:lstStyle>
           <a:p>
             <a:r>
-              <a:rPr lang="zh-CN" altLang="en-US" smtClean="0"/>
+              <a:rPr lang="zh-CN" altLang="en-US"/>
               <a:t>单击此处编辑母版标题样式</a:t>
             </a:r>
-            <a:endParaRPr lang="zh-CN" altLang="en-US"/>
           </a:p>
         </p:txBody>
       </p:sp>
@@ -2436,10 +2449,9 @@
           <a:p>
             <a:pPr lvl="0"/>
             <a:r>
-              <a:rPr lang="zh-CN" altLang="en-US" smtClean="0"/>
+              <a:rPr lang="zh-CN" altLang="en-US"/>
               <a:t>单击此处编辑母版文本样式</a:t>
             </a:r>
-            <a:endParaRPr lang="zh-CN" altLang="en-US" smtClean="0"/>
           </a:p>
         </p:txBody>
       </p:sp>
@@ -2460,6 +2472,7 @@
           <a:p>
             <a:fld id="{82F288E0-7875-42C4-84C8-98DBBD3BF4D2}" type="datetimeFigureOut">
               <a:rPr lang="zh-CN" altLang="en-US" smtClean="0"/>
+              <a:t>2018/5/20</a:t>
             </a:fld>
             <a:endParaRPr lang="zh-CN" altLang="en-US"/>
           </a:p>
@@ -2501,6 +2514,7 @@
           <a:p>
             <a:fld id="{7D9BB5D0-35E4-459D-AEF3-FE4D7C45CC19}" type="slidenum">
               <a:rPr lang="zh-CN" altLang="en-US" smtClean="0"/>
+              <a:t>‹#›</a:t>
             </a:fld>
             <a:endParaRPr lang="zh-CN" altLang="en-US"/>
           </a:p>
@@ -2511,13 +2525,13 @@
   <p:clrMapOvr>
     <a:masterClrMapping/>
   </p:clrMapOvr>
-  <mc:AlternateContent xmlns:mc="http://schemas.openxmlformats.org/markup-compatibility/2006">
-    <mc:Choice xmlns:p14="http://schemas.microsoft.com/office/powerpoint/2010/main" Requires="p14">
+  <mc:AlternateContent xmlns:mc="http://schemas.openxmlformats.org/markup-compatibility/2006" xmlns:p14="http://schemas.microsoft.com/office/powerpoint/2010/main">
+    <mc:Choice Requires="p14">
       <p:transition p14:dur="250">
         <p:fade/>
       </p:transition>
     </mc:Choice>
-    <mc:Fallback>
+    <mc:Fallback xmlns="">
       <p:transition>
         <p:fade/>
       </p:transition>
@@ -2637,10 +2651,9 @@
           </a:lstStyle>
           <a:p>
             <a:r>
-              <a:rPr lang="zh-CN" altLang="en-US" smtClean="0"/>
+              <a:rPr lang="zh-CN" altLang="en-US"/>
               <a:t>单击此处编辑母版标题样式</a:t>
             </a:r>
-            <a:endParaRPr lang="zh-CN" altLang="en-US"/>
           </a:p>
         </p:txBody>
       </p:sp>
@@ -2707,10 +2720,9 @@
           <a:p>
             <a:pPr lvl="0"/>
             <a:r>
-              <a:rPr lang="zh-CN" altLang="en-US" smtClean="0"/>
+              <a:rPr lang="zh-CN" altLang="en-US"/>
               <a:t>单击此处编辑母版文本样式</a:t>
             </a:r>
-            <a:endParaRPr lang="zh-CN" altLang="en-US" smtClean="0"/>
           </a:p>
         </p:txBody>
       </p:sp>
@@ -2731,6 +2743,7 @@
           <a:p>
             <a:fld id="{82F288E0-7875-42C4-84C8-98DBBD3BF4D2}" type="datetimeFigureOut">
               <a:rPr lang="zh-CN" altLang="en-US" smtClean="0"/>
+              <a:t>2018/5/20</a:t>
             </a:fld>
             <a:endParaRPr lang="zh-CN" altLang="en-US"/>
           </a:p>
@@ -2772,6 +2785,7 @@
           <a:p>
             <a:fld id="{7D9BB5D0-35E4-459D-AEF3-FE4D7C45CC19}" type="slidenum">
               <a:rPr lang="zh-CN" altLang="en-US" smtClean="0"/>
+              <a:t>‹#›</a:t>
             </a:fld>
             <a:endParaRPr lang="zh-CN" altLang="en-US"/>
           </a:p>
@@ -2782,13 +2796,13 @@
   <p:clrMapOvr>
     <a:masterClrMapping/>
   </p:clrMapOvr>
-  <mc:AlternateContent xmlns:mc="http://schemas.openxmlformats.org/markup-compatibility/2006">
-    <mc:Choice xmlns:p14="http://schemas.microsoft.com/office/powerpoint/2010/main" Requires="p14">
+  <mc:AlternateContent xmlns:mc="http://schemas.openxmlformats.org/markup-compatibility/2006" xmlns:p14="http://schemas.microsoft.com/office/powerpoint/2010/main">
+    <mc:Choice Requires="p14">
       <p:transition p14:dur="250">
         <p:fade/>
       </p:transition>
     </mc:Choice>
-    <mc:Fallback>
+    <mc:Fallback xmlns="">
       <p:transition>
         <p:fade/>
       </p:transition>
@@ -2831,6 +2845,7 @@
           <a:p>
             <a:fld id="{82F288E0-7875-42C4-84C8-98DBBD3BF4D2}" type="datetimeFigureOut">
               <a:rPr lang="zh-CN" altLang="en-US" smtClean="0"/>
+              <a:t>2018/5/20</a:t>
             </a:fld>
             <a:endParaRPr lang="zh-CN" altLang="en-US"/>
           </a:p>
@@ -2872,6 +2887,7 @@
           <a:p>
             <a:fld id="{7D9BB5D0-35E4-459D-AEF3-FE4D7C45CC19}" type="slidenum">
               <a:rPr lang="zh-CN" altLang="en-US" smtClean="0"/>
+              <a:t>‹#›</a:t>
             </a:fld>
             <a:endParaRPr lang="zh-CN" altLang="en-US"/>
           </a:p>
@@ -2895,12 +2911,12 @@
         </p:spPr>
         <p:txBody>
           <a:bodyPr vert="eaVert"/>
-          <a:p>
-            <a:r>
-              <a:rPr lang="zh-CN" altLang="en-US" smtClean="0"/>
+          <a:lstStyle/>
+          <a:p>
+            <a:r>
+              <a:rPr lang="zh-CN" altLang="en-US"/>
               <a:t>单击此处编辑母版标题样式</a:t>
             </a:r>
-            <a:endParaRPr lang="zh-CN" altLang="en-US"/>
           </a:p>
         </p:txBody>
       </p:sp>
@@ -2922,45 +2938,41 @@
         </p:spPr>
         <p:txBody>
           <a:bodyPr vert="eaVert"/>
+          <a:lstStyle/>
           <a:p>
             <a:pPr lvl="0"/>
             <a:r>
-              <a:rPr lang="zh-CN" altLang="en-US" smtClean="0"/>
+              <a:rPr lang="zh-CN" altLang="en-US"/>
               <a:t>单击此处编辑母版文本样式</a:t>
             </a:r>
-            <a:endParaRPr lang="zh-CN" altLang="en-US" smtClean="0"/>
           </a:p>
           <a:p>
             <a:pPr lvl="1"/>
             <a:r>
-              <a:rPr lang="zh-CN" altLang="en-US" smtClean="0"/>
+              <a:rPr lang="zh-CN" altLang="en-US"/>
               <a:t>第二级</a:t>
             </a:r>
-            <a:endParaRPr lang="zh-CN" altLang="en-US" smtClean="0"/>
           </a:p>
           <a:p>
             <a:pPr lvl="2"/>
             <a:r>
-              <a:rPr lang="zh-CN" altLang="en-US" smtClean="0"/>
+              <a:rPr lang="zh-CN" altLang="en-US"/>
               <a:t>第三级</a:t>
             </a:r>
-            <a:endParaRPr lang="zh-CN" altLang="en-US" smtClean="0"/>
           </a:p>
           <a:p>
             <a:pPr lvl="3"/>
             <a:r>
-              <a:rPr lang="zh-CN" altLang="en-US" smtClean="0"/>
+              <a:rPr lang="zh-CN" altLang="en-US"/>
               <a:t>第四级</a:t>
             </a:r>
-            <a:endParaRPr lang="zh-CN" altLang="en-US" smtClean="0"/>
           </a:p>
           <a:p>
             <a:pPr lvl="4"/>
             <a:r>
-              <a:rPr lang="zh-CN" altLang="en-US" smtClean="0"/>
+              <a:rPr lang="zh-CN" altLang="en-US"/>
               <a:t>第五级</a:t>
             </a:r>
-            <a:endParaRPr lang="zh-CN" altLang="en-US"/>
           </a:p>
         </p:txBody>
       </p:sp>
@@ -2969,13 +2981,13 @@
   <p:clrMapOvr>
     <a:masterClrMapping/>
   </p:clrMapOvr>
-  <mc:AlternateContent xmlns:mc="http://schemas.openxmlformats.org/markup-compatibility/2006">
-    <mc:Choice xmlns:p14="http://schemas.microsoft.com/office/powerpoint/2010/main" Requires="p14">
+  <mc:AlternateContent xmlns:mc="http://schemas.openxmlformats.org/markup-compatibility/2006" xmlns:p14="http://schemas.microsoft.com/office/powerpoint/2010/main">
+    <mc:Choice Requires="p14">
       <p:transition p14:dur="250">
         <p:fade/>
       </p:transition>
     </mc:Choice>
-    <mc:Fallback>
+    <mc:Fallback xmlns="">
       <p:transition>
         <p:fade/>
       </p:transition>
@@ -3052,10 +3064,9 @@
           <a:lstStyle/>
           <a:p>
             <a:r>
-              <a:rPr lang="zh-CN" altLang="en-US" smtClean="0"/>
+              <a:rPr lang="zh-CN" altLang="en-US"/>
               <a:t>单击此处编辑母版标题样式</a:t>
             </a:r>
-            <a:endParaRPr lang="zh-CN" altLang="en-US"/>
           </a:p>
         </p:txBody>
       </p:sp>
@@ -3086,42 +3097,37 @@
           <a:p>
             <a:pPr lvl="0"/>
             <a:r>
-              <a:rPr lang="zh-CN" altLang="en-US" smtClean="0"/>
+              <a:rPr lang="zh-CN" altLang="en-US"/>
               <a:t>单击此处编辑母版文本样式</a:t>
             </a:r>
-            <a:endParaRPr lang="zh-CN" altLang="en-US" smtClean="0"/>
           </a:p>
           <a:p>
             <a:pPr lvl="1"/>
             <a:r>
-              <a:rPr lang="zh-CN" altLang="en-US" smtClean="0"/>
+              <a:rPr lang="zh-CN" altLang="en-US"/>
               <a:t>第二级</a:t>
             </a:r>
-            <a:endParaRPr lang="zh-CN" altLang="en-US" smtClean="0"/>
           </a:p>
           <a:p>
             <a:pPr lvl="2"/>
             <a:r>
-              <a:rPr lang="zh-CN" altLang="en-US" smtClean="0"/>
+              <a:rPr lang="zh-CN" altLang="en-US"/>
               <a:t>第三级</a:t>
             </a:r>
-            <a:endParaRPr lang="zh-CN" altLang="en-US" smtClean="0"/>
           </a:p>
           <a:p>
             <a:pPr lvl="3"/>
             <a:r>
-              <a:rPr lang="zh-CN" altLang="en-US" smtClean="0"/>
+              <a:rPr lang="zh-CN" altLang="en-US"/>
               <a:t>第四级</a:t>
             </a:r>
-            <a:endParaRPr lang="zh-CN" altLang="en-US" smtClean="0"/>
           </a:p>
           <a:p>
             <a:pPr lvl="4"/>
             <a:r>
-              <a:rPr lang="zh-CN" altLang="en-US" smtClean="0"/>
+              <a:rPr lang="zh-CN" altLang="en-US"/>
               <a:t>第五级</a:t>
             </a:r>
-            <a:endParaRPr lang="zh-CN" altLang="en-US"/>
           </a:p>
         </p:txBody>
       </p:sp>
@@ -3162,6 +3168,7 @@
           <a:p>
             <a:fld id="{82F288E0-7875-42C4-84C8-98DBBD3BF4D2}" type="datetimeFigureOut">
               <a:rPr lang="zh-CN" altLang="en-US" smtClean="0"/>
+              <a:t>2018/5/20</a:t>
             </a:fld>
             <a:endParaRPr lang="zh-CN" altLang="en-US"/>
           </a:p>
@@ -3243,6 +3250,7 @@
           <a:p>
             <a:fld id="{7D9BB5D0-35E4-459D-AEF3-FE4D7C45CC19}" type="slidenum">
               <a:rPr lang="zh-CN" altLang="en-US" smtClean="0"/>
+              <a:t>‹#›</a:t>
             </a:fld>
             <a:endParaRPr lang="zh-CN" altLang="en-US"/>
           </a:p>
@@ -3264,13 +3272,13 @@
     <p:sldLayoutId id="2147483658" r:id="rId10"/>
     <p:sldLayoutId id="2147483659" r:id="rId11"/>
   </p:sldLayoutIdLst>
-  <mc:AlternateContent xmlns:mc="http://schemas.openxmlformats.org/markup-compatibility/2006">
-    <mc:Choice xmlns:p14="http://schemas.microsoft.com/office/powerpoint/2010/main" Requires="p14">
+  <mc:AlternateContent xmlns:mc="http://schemas.openxmlformats.org/markup-compatibility/2006" xmlns:p14="http://schemas.microsoft.com/office/powerpoint/2010/main">
+    <mc:Choice Requires="p14">
       <p:transition p14:dur="250">
         <p:fade/>
       </p:transition>
     </mc:Choice>
-    <mc:Fallback>
+    <mc:Fallback xmlns="">
       <p:transition>
         <p:fade/>
       </p:transition>
@@ -3595,7 +3603,14 @@
         <p:cNvGrpSpPr/>
         <p:nvPr/>
       </p:nvGrpSpPr>
-      <p:grpSpPr/>
+      <p:grpSpPr>
+        <a:xfrm>
+          <a:off x="0" y="0"/>
+          <a:ext cx="0" cy="0"/>
+          <a:chOff x="0" y="0"/>
+          <a:chExt cx="0" cy="0"/>
+        </a:xfrm>
+      </p:grpSpPr>
       <p:sp>
         <p:nvSpPr>
           <p:cNvPr id="2" name="标题 1"/>
@@ -3609,6 +3624,7 @@
         <p:spPr/>
         <p:txBody>
           <a:bodyPr/>
+          <a:lstStyle/>
           <a:p>
             <a:r>
               <a:rPr lang="en-US" altLang="zh-CN"/>
@@ -3621,7 +3637,6 @@
               <a:rPr lang="en-US" altLang="zh-CN"/>
               <a:t>CI/CD</a:t>
             </a:r>
-            <a:endParaRPr lang="en-US" altLang="zh-CN"/>
           </a:p>
         </p:txBody>
       </p:sp>
@@ -3638,19 +3653,18 @@
         <p:spPr/>
         <p:txBody>
           <a:bodyPr/>
+          <a:lstStyle/>
           <a:p>
             <a:r>
               <a:rPr lang="en-US" altLang="zh-CN"/>
               <a:t>2018.5.15</a:t>
             </a:r>
-            <a:endParaRPr lang="en-US" altLang="zh-CN"/>
           </a:p>
           <a:p>
             <a:r>
               <a:rPr lang="en-US" altLang="zh-CN"/>
               <a:t>Veiasai</a:t>
             </a:r>
-            <a:endParaRPr lang="en-US" altLang="zh-CN"/>
           </a:p>
         </p:txBody>
       </p:sp>
@@ -3659,13 +3673,13 @@
   <p:clrMapOvr>
     <a:masterClrMapping/>
   </p:clrMapOvr>
-  <mc:AlternateContent xmlns:mc="http://schemas.openxmlformats.org/markup-compatibility/2006">
-    <mc:Choice xmlns:p14="http://schemas.microsoft.com/office/powerpoint/2010/main" Requires="p14">
+  <mc:AlternateContent xmlns:mc="http://schemas.openxmlformats.org/markup-compatibility/2006" xmlns:p14="http://schemas.microsoft.com/office/powerpoint/2010/main">
+    <mc:Choice Requires="p14">
       <p:transition p14:dur="250">
         <p:fade/>
       </p:transition>
     </mc:Choice>
-    <mc:Fallback>
+    <mc:Fallback xmlns="">
       <p:transition>
         <p:fade/>
       </p:transition>
@@ -3683,7 +3697,14 @@
         <p:cNvGrpSpPr/>
         <p:nvPr/>
       </p:nvGrpSpPr>
-      <p:grpSpPr/>
+      <p:grpSpPr>
+        <a:xfrm>
+          <a:off x="0" y="0"/>
+          <a:ext cx="0" cy="0"/>
+          <a:chOff x="0" y="0"/>
+          <a:chExt cx="0" cy="0"/>
+        </a:xfrm>
+      </p:grpSpPr>
       <p:sp>
         <p:nvSpPr>
           <p:cNvPr id="2" name="标题 1"/>
@@ -3697,12 +3718,12 @@
         <p:spPr/>
         <p:txBody>
           <a:bodyPr/>
+          <a:lstStyle/>
           <a:p>
             <a:r>
               <a:rPr lang="en-US" altLang="zh-CN"/>
               <a:t>Demo-github</a:t>
             </a:r>
-            <a:endParaRPr lang="en-US" altLang="zh-CN"/>
           </a:p>
         </p:txBody>
       </p:sp>
@@ -3724,6 +3745,7 @@
         </p:spPr>
         <p:txBody>
           <a:bodyPr/>
+          <a:lstStyle/>
           <a:p>
             <a:r>
               <a:rPr lang="zh-CN" altLang="en-US"/>
@@ -3753,14 +3775,12 @@
               <a:rPr lang="zh-CN" altLang="en-US"/>
               <a:t>或者域名）</a:t>
             </a:r>
-            <a:endParaRPr lang="zh-CN" altLang="en-US"/>
           </a:p>
           <a:p>
             <a:r>
               <a:rPr lang="zh-CN" altLang="en-US"/>
               <a:t>然后登录相应页面完成认证</a:t>
             </a:r>
-            <a:endParaRPr lang="zh-CN" altLang="en-US"/>
           </a:p>
         </p:txBody>
       </p:sp>
@@ -3773,7 +3793,7 @@
           <p:nvPr/>
         </p:nvPicPr>
         <p:blipFill>
-          <a:blip r:embed="rId1"/>
+          <a:blip r:embed="rId2"/>
           <a:stretch>
             <a:fillRect/>
           </a:stretch>
@@ -3793,13 +3813,13 @@
   <p:clrMapOvr>
     <a:masterClrMapping/>
   </p:clrMapOvr>
-  <mc:AlternateContent xmlns:mc="http://schemas.openxmlformats.org/markup-compatibility/2006">
-    <mc:Choice xmlns:p14="http://schemas.microsoft.com/office/powerpoint/2010/main" Requires="p14">
+  <mc:AlternateContent xmlns:mc="http://schemas.openxmlformats.org/markup-compatibility/2006" xmlns:p14="http://schemas.microsoft.com/office/powerpoint/2010/main">
+    <mc:Choice Requires="p14">
       <p:transition p14:dur="250">
         <p:fade/>
       </p:transition>
     </mc:Choice>
-    <mc:Fallback>
+    <mc:Fallback xmlns="">
       <p:transition>
         <p:fade/>
       </p:transition>
@@ -3817,7 +3837,14 @@
         <p:cNvGrpSpPr/>
         <p:nvPr/>
       </p:nvGrpSpPr>
-      <p:grpSpPr/>
+      <p:grpSpPr>
+        <a:xfrm>
+          <a:off x="0" y="0"/>
+          <a:ext cx="0" cy="0"/>
+          <a:chOff x="0" y="0"/>
+          <a:chExt cx="0" cy="0"/>
+        </a:xfrm>
+      </p:grpSpPr>
       <p:sp>
         <p:nvSpPr>
           <p:cNvPr id="2" name="标题 1"/>
@@ -3831,12 +3858,12 @@
         <p:spPr/>
         <p:txBody>
           <a:bodyPr/>
+          <a:lstStyle/>
           <a:p>
             <a:r>
               <a:rPr lang="en-US" altLang="zh-CN"/>
               <a:t>Demo-drone</a:t>
             </a:r>
-            <a:endParaRPr lang="en-US" altLang="zh-CN"/>
           </a:p>
         </p:txBody>
       </p:sp>
@@ -3844,14 +3871,14 @@
         <p:nvPicPr>
           <p:cNvPr id="4" name="内容占位符 3"/>
           <p:cNvPicPr>
-            <a:picLocks noChangeAspect="1"/>
+            <a:picLocks noGrp="1" noChangeAspect="1"/>
           </p:cNvPicPr>
           <p:nvPr>
             <p:ph idx="1"/>
           </p:nvPr>
         </p:nvPicPr>
         <p:blipFill>
-          <a:blip r:embed="rId1"/>
+          <a:blip r:embed="rId2"/>
           <a:stretch>
             <a:fillRect/>
           </a:stretch>
@@ -3871,13 +3898,13 @@
   <p:clrMapOvr>
     <a:masterClrMapping/>
   </p:clrMapOvr>
-  <mc:AlternateContent xmlns:mc="http://schemas.openxmlformats.org/markup-compatibility/2006">
-    <mc:Choice xmlns:p14="http://schemas.microsoft.com/office/powerpoint/2010/main" Requires="p14">
+  <mc:AlternateContent xmlns:mc="http://schemas.openxmlformats.org/markup-compatibility/2006" xmlns:p14="http://schemas.microsoft.com/office/powerpoint/2010/main">
+    <mc:Choice Requires="p14">
       <p:transition p14:dur="250">
         <p:fade/>
       </p:transition>
     </mc:Choice>
-    <mc:Fallback>
+    <mc:Fallback xmlns="">
       <p:transition>
         <p:fade/>
       </p:transition>
@@ -3895,7 +3922,14 @@
         <p:cNvGrpSpPr/>
         <p:nvPr/>
       </p:nvGrpSpPr>
-      <p:grpSpPr/>
+      <p:grpSpPr>
+        <a:xfrm>
+          <a:off x="0" y="0"/>
+          <a:ext cx="0" cy="0"/>
+          <a:chOff x="0" y="0"/>
+          <a:chExt cx="0" cy="0"/>
+        </a:xfrm>
+      </p:grpSpPr>
       <p:sp>
         <p:nvSpPr>
           <p:cNvPr id="2" name="标题 1"/>
@@ -3909,12 +3943,12 @@
         <p:spPr/>
         <p:txBody>
           <a:bodyPr/>
+          <a:lstStyle/>
           <a:p>
             <a:r>
               <a:rPr lang="en-US" altLang="zh-CN"/>
               <a:t>Demo-drone</a:t>
             </a:r>
-            <a:endParaRPr lang="en-US" altLang="zh-CN"/>
           </a:p>
         </p:txBody>
       </p:sp>
@@ -3922,14 +3956,14 @@
         <p:nvPicPr>
           <p:cNvPr id="4" name="内容占位符 3"/>
           <p:cNvPicPr>
-            <a:picLocks noChangeAspect="1"/>
+            <a:picLocks noGrp="1" noChangeAspect="1"/>
           </p:cNvPicPr>
           <p:nvPr>
             <p:ph idx="1"/>
           </p:nvPr>
         </p:nvPicPr>
         <p:blipFill>
-          <a:blip r:embed="rId1"/>
+          <a:blip r:embed="rId2"/>
           <a:stretch>
             <a:fillRect/>
           </a:stretch>
@@ -3953,7 +3987,7 @@
           <p:nvPr/>
         </p:nvPicPr>
         <p:blipFill>
-          <a:blip r:embed="rId2"/>
+          <a:blip r:embed="rId3"/>
           <a:stretch>
             <a:fillRect/>
           </a:stretch>
@@ -3973,13 +4007,13 @@
   <p:clrMapOvr>
     <a:masterClrMapping/>
   </p:clrMapOvr>
-  <mc:AlternateContent xmlns:mc="http://schemas.openxmlformats.org/markup-compatibility/2006">
-    <mc:Choice xmlns:p14="http://schemas.microsoft.com/office/powerpoint/2010/main" Requires="p14">
+  <mc:AlternateContent xmlns:mc="http://schemas.openxmlformats.org/markup-compatibility/2006" xmlns:p14="http://schemas.microsoft.com/office/powerpoint/2010/main">
+    <mc:Choice Requires="p14">
       <p:transition p14:dur="250">
         <p:fade/>
       </p:transition>
     </mc:Choice>
-    <mc:Fallback>
+    <mc:Fallback xmlns="">
       <p:transition>
         <p:fade/>
       </p:transition>
@@ -3997,7 +4031,14 @@
         <p:cNvGrpSpPr/>
         <p:nvPr/>
       </p:nvGrpSpPr>
-      <p:grpSpPr/>
+      <p:grpSpPr>
+        <a:xfrm>
+          <a:off x="0" y="0"/>
+          <a:ext cx="0" cy="0"/>
+          <a:chOff x="0" y="0"/>
+          <a:chExt cx="0" cy="0"/>
+        </a:xfrm>
+      </p:grpSpPr>
       <p:sp>
         <p:nvSpPr>
           <p:cNvPr id="2" name="标题 1"/>
@@ -4011,12 +4052,12 @@
         <p:spPr/>
         <p:txBody>
           <a:bodyPr/>
+          <a:lstStyle/>
           <a:p>
             <a:r>
               <a:rPr lang="en-US" altLang="zh-CN"/>
               <a:t>Demo-drone</a:t>
             </a:r>
-            <a:endParaRPr lang="en-US" altLang="zh-CN"/>
           </a:p>
         </p:txBody>
       </p:sp>
@@ -4038,8 +4079,9 @@
         </p:spPr>
         <p:txBody>
           <a:bodyPr>
-            <a:normAutofit lnSpcReduction="10000"/>
+            <a:normAutofit/>
           </a:bodyPr>
+          <a:lstStyle/>
           <a:p>
             <a:r>
               <a:rPr lang="en-US" altLang="zh-CN">
@@ -4070,7 +4112,6 @@
               <a:rPr lang="zh-CN" altLang="en-US"/>
               <a:t>文件。</a:t>
             </a:r>
-            <a:endParaRPr lang="zh-CN" altLang="en-US"/>
           </a:p>
           <a:p>
             <a:r>
@@ -4085,7 +4126,6 @@
               <a:rPr lang="zh-CN" altLang="en-US"/>
               <a:t>生成镜像，并推送到个人仓库。</a:t>
             </a:r>
-            <a:endParaRPr lang="zh-CN" altLang="en-US"/>
           </a:p>
           <a:p>
             <a:endParaRPr lang="en-US" altLang="zh-CN"/>
@@ -4101,7 +4141,7 @@
           <p:nvPr/>
         </p:nvPicPr>
         <p:blipFill>
-          <a:blip r:embed="rId1"/>
+          <a:blip r:embed="rId3"/>
           <a:stretch>
             <a:fillRect/>
           </a:stretch>
@@ -4121,13 +4161,13 @@
   <p:clrMapOvr>
     <a:masterClrMapping/>
   </p:clrMapOvr>
-  <mc:AlternateContent xmlns:mc="http://schemas.openxmlformats.org/markup-compatibility/2006">
-    <mc:Choice xmlns:p14="http://schemas.microsoft.com/office/powerpoint/2010/main" Requires="p14">
+  <mc:AlternateContent xmlns:mc="http://schemas.openxmlformats.org/markup-compatibility/2006" xmlns:p14="http://schemas.microsoft.com/office/powerpoint/2010/main">
+    <mc:Choice Requires="p14">
       <p:transition p14:dur="250">
         <p:fade/>
       </p:transition>
     </mc:Choice>
-    <mc:Fallback>
+    <mc:Fallback xmlns="">
       <p:transition>
         <p:fade/>
       </p:transition>
@@ -4145,7 +4185,14 @@
         <p:cNvGrpSpPr/>
         <p:nvPr/>
       </p:nvGrpSpPr>
-      <p:grpSpPr/>
+      <p:grpSpPr>
+        <a:xfrm>
+          <a:off x="0" y="0"/>
+          <a:ext cx="0" cy="0"/>
+          <a:chOff x="0" y="0"/>
+          <a:chExt cx="0" cy="0"/>
+        </a:xfrm>
+      </p:grpSpPr>
       <p:sp>
         <p:nvSpPr>
           <p:cNvPr id="2" name="标题 1"/>
@@ -4159,12 +4206,12 @@
         <p:spPr/>
         <p:txBody>
           <a:bodyPr/>
+          <a:lstStyle/>
           <a:p>
             <a:r>
               <a:rPr lang="en-US" altLang="zh-CN"/>
               <a:t>Demo-drone</a:t>
             </a:r>
-            <a:endParaRPr lang="en-US" altLang="zh-CN"/>
           </a:p>
         </p:txBody>
       </p:sp>
@@ -4186,42 +4233,40 @@
         </p:spPr>
         <p:txBody>
           <a:bodyPr/>
-          <a:p>
-            <a:r>
-              <a:rPr lang="en-US" altLang="zh-CN"/>
+          <a:lstStyle/>
+          <a:p>
+            <a:r>
+              <a:rPr lang="en-US" altLang="zh-CN" dirty="0"/>
               <a:t>CD</a:t>
             </a:r>
-            <a:endParaRPr lang="en-US" altLang="zh-CN"/>
-          </a:p>
-          <a:p>
-            <a:r>
-              <a:rPr lang="zh-CN" altLang="en-US"/>
+          </a:p>
+          <a:p>
+            <a:r>
+              <a:rPr lang="zh-CN" altLang="en-US" dirty="0"/>
               <a:t>使用</a:t>
             </a:r>
             <a:r>
-              <a:rPr lang="en-US" altLang="zh-CN"/>
+              <a:rPr lang="en-US" altLang="zh-CN" dirty="0" err="1"/>
               <a:t>ssh</a:t>
             </a:r>
             <a:r>
-              <a:rPr lang="zh-CN" altLang="en-US"/>
+              <a:rPr lang="zh-CN" altLang="en-US" dirty="0"/>
               <a:t>连接到部署服务的机器，运行打包好的镜像，暴露端口。</a:t>
             </a:r>
-            <a:endParaRPr lang="zh-CN" altLang="en-US"/>
-          </a:p>
-          <a:p>
-            <a:r>
-              <a:rPr lang="zh-CN" altLang="en-US"/>
+          </a:p>
+          <a:p>
+            <a:r>
+              <a:rPr lang="zh-CN" altLang="en-US" dirty="0"/>
               <a:t>使用</a:t>
             </a:r>
             <a:r>
-              <a:rPr lang="en-US" altLang="zh-CN"/>
-              <a:t>emial plugin</a:t>
-            </a:r>
-            <a:r>
-              <a:rPr lang="zh-CN" altLang="en-US"/>
+              <a:rPr lang="en-US" altLang="zh-CN" dirty="0"/>
+              <a:t>email plugin</a:t>
+            </a:r>
+            <a:r>
+              <a:rPr lang="zh-CN" altLang="en-US" dirty="0"/>
               <a:t>，给管理员和提交者发邮件提醒。</a:t>
             </a:r>
-            <a:endParaRPr lang="zh-CN" altLang="en-US"/>
           </a:p>
         </p:txBody>
       </p:sp>
@@ -4234,7 +4279,7 @@
           <p:nvPr/>
         </p:nvPicPr>
         <p:blipFill>
-          <a:blip r:embed="rId1"/>
+          <a:blip r:embed="rId3"/>
           <a:stretch>
             <a:fillRect/>
           </a:stretch>
@@ -4254,13 +4299,13 @@
   <p:clrMapOvr>
     <a:masterClrMapping/>
   </p:clrMapOvr>
-  <mc:AlternateContent xmlns:mc="http://schemas.openxmlformats.org/markup-compatibility/2006">
-    <mc:Choice xmlns:p14="http://schemas.microsoft.com/office/powerpoint/2010/main" Requires="p14">
+  <mc:AlternateContent xmlns:mc="http://schemas.openxmlformats.org/markup-compatibility/2006" xmlns:p14="http://schemas.microsoft.com/office/powerpoint/2010/main">
+    <mc:Choice Requires="p14">
       <p:transition p14:dur="250">
         <p:fade/>
       </p:transition>
     </mc:Choice>
-    <mc:Fallback>
+    <mc:Fallback xmlns="">
       <p:transition>
         <p:fade/>
       </p:transition>
@@ -4278,7 +4323,14 @@
         <p:cNvGrpSpPr/>
         <p:nvPr/>
       </p:nvGrpSpPr>
-      <p:grpSpPr/>
+      <p:grpSpPr>
+        <a:xfrm>
+          <a:off x="0" y="0"/>
+          <a:ext cx="0" cy="0"/>
+          <a:chOff x="0" y="0"/>
+          <a:chExt cx="0" cy="0"/>
+        </a:xfrm>
+      </p:grpSpPr>
       <p:sp>
         <p:nvSpPr>
           <p:cNvPr id="2" name="标题 1"/>
@@ -4292,12 +4344,13 @@
         <p:spPr/>
         <p:txBody>
           <a:bodyPr/>
-          <a:p>
-            <a:r>
-              <a:rPr lang="en-US" altLang="zh-CN"/>
-              <a:t>Problems</a:t>
-            </a:r>
-            <a:endParaRPr lang="en-US" altLang="zh-CN"/>
+          <a:lstStyle/>
+          <a:p>
+            <a:r>
+              <a:rPr lang="en-US" altLang="zh-Hans" dirty="0"/>
+              <a:t>Discussion</a:t>
+            </a:r>
+            <a:endParaRPr lang="en-US" altLang="zh-CN" dirty="0"/>
           </a:p>
         </p:txBody>
       </p:sp>
@@ -4314,62 +4367,64 @@
         <p:spPr/>
         <p:txBody>
           <a:bodyPr/>
-          <a:p>
-            <a:r>
-              <a:rPr lang="en-US" altLang="zh-CN"/>
+          <a:lstStyle/>
+          <a:p>
+            <a:r>
+              <a:rPr lang="en-US" altLang="zh-CN" dirty="0"/>
               <a:t>demo</a:t>
             </a:r>
             <a:r>
-              <a:rPr lang="zh-CN" altLang="en-US"/>
+              <a:rPr lang="zh-CN" altLang="en-US" dirty="0"/>
               <a:t>较为简单，没有多的集成测试，当多个服务一起运行时，可以通过插件、</a:t>
             </a:r>
             <a:r>
-              <a:rPr lang="en-US" altLang="zh-CN"/>
+              <a:rPr lang="en-US" altLang="zh-CN" dirty="0"/>
               <a:t>shell</a:t>
             </a:r>
             <a:r>
-              <a:rPr lang="zh-CN" altLang="en-US"/>
+              <a:rPr lang="zh-CN" altLang="en-US" dirty="0"/>
               <a:t>脚本、网络服务，或者是本地运行小型测试用的容器服务，比如</a:t>
             </a:r>
             <a:r>
-              <a:rPr lang="en-US" altLang="zh-CN"/>
-              <a:t>mysql image</a:t>
-            </a:r>
-            <a:r>
-              <a:rPr lang="zh-CN" altLang="en-US"/>
+              <a:rPr lang="en-US" altLang="zh-CN" dirty="0" err="1"/>
+              <a:t>mysql</a:t>
+            </a:r>
+            <a:r>
+              <a:rPr lang="en-US" altLang="zh-CN" dirty="0"/>
+              <a:t> image</a:t>
+            </a:r>
+            <a:r>
+              <a:rPr lang="zh-CN" altLang="en-US" dirty="0"/>
               <a:t>，进行集成测试。</a:t>
             </a:r>
-            <a:endParaRPr lang="zh-CN" altLang="en-US"/>
-          </a:p>
-          <a:p>
-            <a:r>
-              <a:rPr lang="zh-CN" altLang="en-US"/>
+          </a:p>
+          <a:p>
+            <a:r>
+              <a:rPr lang="zh-CN" altLang="en-US" dirty="0"/>
               <a:t>将一些可能重复使用的文件目录挂载，比如</a:t>
             </a:r>
             <a:r>
-              <a:rPr lang="en-US" altLang="zh-CN"/>
+              <a:rPr lang="en-US" altLang="zh-CN" dirty="0"/>
               <a:t>maven</a:t>
             </a:r>
             <a:r>
-              <a:rPr lang="zh-CN" altLang="en-US"/>
+              <a:rPr lang="zh-CN" altLang="en-US" dirty="0"/>
               <a:t>的仓库，提升构建效率。</a:t>
             </a:r>
-            <a:endParaRPr lang="zh-CN" altLang="en-US"/>
-          </a:p>
-          <a:p>
-            <a:r>
-              <a:rPr lang="zh-CN" altLang="en-US"/>
+          </a:p>
+          <a:p>
+            <a:r>
+              <a:rPr lang="zh-CN" altLang="en-US" dirty="0"/>
               <a:t>官方</a:t>
             </a:r>
             <a:r>
-              <a:rPr lang="en-US" altLang="zh-CN"/>
+              <a:rPr lang="en-US" altLang="zh-CN" dirty="0"/>
               <a:t>docker plugin</a:t>
             </a:r>
             <a:r>
-              <a:rPr lang="zh-CN" altLang="en-US"/>
+              <a:rPr lang="zh-CN" altLang="en-US" dirty="0"/>
               <a:t>不能存储用过的镜像，增强了安全性，牺牲了部分效率，可以根据实际情况调整。</a:t>
             </a:r>
-            <a:endParaRPr lang="zh-CN" altLang="en-US"/>
           </a:p>
         </p:txBody>
       </p:sp>
@@ -4378,13 +4433,13 @@
   <p:clrMapOvr>
     <a:masterClrMapping/>
   </p:clrMapOvr>
-  <mc:AlternateContent xmlns:mc="http://schemas.openxmlformats.org/markup-compatibility/2006">
-    <mc:Choice xmlns:p14="http://schemas.microsoft.com/office/powerpoint/2010/main" Requires="p14">
+  <mc:AlternateContent xmlns:mc="http://schemas.openxmlformats.org/markup-compatibility/2006" xmlns:p14="http://schemas.microsoft.com/office/powerpoint/2010/main">
+    <mc:Choice Requires="p14">
       <p:transition p14:dur="250">
         <p:fade/>
       </p:transition>
     </mc:Choice>
-    <mc:Fallback>
+    <mc:Fallback xmlns="">
       <p:transition>
         <p:fade/>
       </p:transition>
@@ -4402,7 +4457,14 @@
         <p:cNvGrpSpPr/>
         <p:nvPr/>
       </p:nvGrpSpPr>
-      <p:grpSpPr/>
+      <p:grpSpPr>
+        <a:xfrm>
+          <a:off x="0" y="0"/>
+          <a:ext cx="0" cy="0"/>
+          <a:chOff x="0" y="0"/>
+          <a:chExt cx="0" cy="0"/>
+        </a:xfrm>
+      </p:grpSpPr>
       <p:sp>
         <p:nvSpPr>
           <p:cNvPr id="2" name="标题 1"/>
@@ -4416,12 +4478,12 @@
         <p:spPr/>
         <p:txBody>
           <a:bodyPr/>
+          <a:lstStyle/>
           <a:p>
             <a:r>
               <a:rPr lang="en-US" altLang="zh-CN"/>
               <a:t>Pros</a:t>
             </a:r>
-            <a:endParaRPr lang="en-US" altLang="zh-CN"/>
           </a:p>
         </p:txBody>
       </p:sp>
@@ -4438,6 +4500,7 @@
         <p:spPr/>
         <p:txBody>
           <a:bodyPr/>
+          <a:lstStyle/>
           <a:p>
             <a:r>
               <a:rPr lang="en-US" altLang="zh-CN"/>
@@ -4455,14 +4518,12 @@
               <a:rPr lang="zh-CN" altLang="en-US"/>
               <a:t>配置，轻便灵活。</a:t>
             </a:r>
-            <a:endParaRPr lang="zh-CN" altLang="en-US"/>
           </a:p>
           <a:p>
             <a:r>
               <a:rPr lang="zh-CN" altLang="en-US"/>
               <a:t>容器技术更抽象，更高层次，便于部署，便于多语言结合。</a:t>
             </a:r>
-            <a:endParaRPr lang="zh-CN" altLang="en-US"/>
           </a:p>
           <a:p>
             <a:endParaRPr lang="zh-CN" altLang="en-US"/>
@@ -4474,13 +4535,13 @@
   <p:clrMapOvr>
     <a:masterClrMapping/>
   </p:clrMapOvr>
-  <mc:AlternateContent xmlns:mc="http://schemas.openxmlformats.org/markup-compatibility/2006">
-    <mc:Choice xmlns:p14="http://schemas.microsoft.com/office/powerpoint/2010/main" Requires="p14">
+  <mc:AlternateContent xmlns:mc="http://schemas.openxmlformats.org/markup-compatibility/2006" xmlns:p14="http://schemas.microsoft.com/office/powerpoint/2010/main">
+    <mc:Choice Requires="p14">
       <p:transition p14:dur="250">
         <p:fade/>
       </p:transition>
     </mc:Choice>
-    <mc:Fallback>
+    <mc:Fallback xmlns="">
       <p:transition>
         <p:fade/>
       </p:transition>
@@ -4498,7 +4559,14 @@
         <p:cNvGrpSpPr/>
         <p:nvPr/>
       </p:nvGrpSpPr>
-      <p:grpSpPr/>
+      <p:grpSpPr>
+        <a:xfrm>
+          <a:off x="0" y="0"/>
+          <a:ext cx="0" cy="0"/>
+          <a:chOff x="0" y="0"/>
+          <a:chExt cx="0" cy="0"/>
+        </a:xfrm>
+      </p:grpSpPr>
       <p:sp>
         <p:nvSpPr>
           <p:cNvPr id="2" name="标题 1"/>
@@ -4512,16 +4580,12 @@
         <p:spPr/>
         <p:txBody>
           <a:bodyPr/>
+          <a:lstStyle/>
           <a:p>
             <a:r>
               <a:rPr lang="en-US" altLang="zh-CN"/>
-              <a:t>Con</a:t>
-            </a:r>
-            <a:r>
-              <a:rPr lang="en-US" altLang="zh-CN"/>
-              <a:t>s</a:t>
-            </a:r>
-            <a:endParaRPr lang="en-US" altLang="zh-CN"/>
+              <a:t>Cons</a:t>
+            </a:r>
           </a:p>
         </p:txBody>
       </p:sp>
@@ -4538,6 +4602,7 @@
         <p:spPr/>
         <p:txBody>
           <a:bodyPr/>
+          <a:lstStyle/>
           <a:p>
             <a:r>
               <a:rPr lang="en-US" altLang="zh-CN">
@@ -4563,9 +4628,6 @@
               </a:rPr>
               <a:t>不够多。</a:t>
             </a:r>
-            <a:endParaRPr lang="zh-CN" altLang="en-US">
-              <a:sym typeface="+mn-ea"/>
-            </a:endParaRPr>
           </a:p>
           <a:p>
             <a:r>
@@ -4574,9 +4636,6 @@
               </a:rPr>
               <a:t>还有镜像、容器概念本身引入的问题，要灵活部署还需要别的工具辅助。</a:t>
             </a:r>
-            <a:endParaRPr lang="zh-CN" altLang="en-US">
-              <a:sym typeface="+mn-ea"/>
-            </a:endParaRPr>
           </a:p>
           <a:p>
             <a:endParaRPr lang="zh-CN" altLang="en-US"/>
@@ -4588,13 +4647,209 @@
   <p:clrMapOvr>
     <a:masterClrMapping/>
   </p:clrMapOvr>
-  <mc:AlternateContent xmlns:mc="http://schemas.openxmlformats.org/markup-compatibility/2006">
-    <mc:Choice xmlns:p14="http://schemas.microsoft.com/office/powerpoint/2010/main" Requires="p14">
+  <mc:AlternateContent xmlns:mc="http://schemas.openxmlformats.org/markup-compatibility/2006" xmlns:p14="http://schemas.microsoft.com/office/powerpoint/2010/main">
+    <mc:Choice Requires="p14">
       <p:transition p14:dur="250">
         <p:fade/>
       </p:transition>
     </mc:Choice>
-    <mc:Fallback>
+    <mc:Fallback xmlns="">
+      <p:transition>
+        <p:fade/>
+      </p:transition>
+    </mc:Fallback>
+  </mc:AlternateContent>
+</p:sld>
+</file>
+
+<file path=ppt/slides/slide18.xml><?xml version="1.0" encoding="utf-8"?>
+<p:sld xmlns:a="http://schemas.openxmlformats.org/drawingml/2006/main" xmlns:r="http://schemas.openxmlformats.org/officeDocument/2006/relationships" xmlns:p="http://schemas.openxmlformats.org/presentationml/2006/main">
+  <p:cSld>
+    <p:spTree>
+      <p:nvGrpSpPr>
+        <p:cNvPr id="1" name=""/>
+        <p:cNvGrpSpPr/>
+        <p:nvPr/>
+      </p:nvGrpSpPr>
+      <p:grpSpPr>
+        <a:xfrm>
+          <a:off x="0" y="0"/>
+          <a:ext cx="0" cy="0"/>
+          <a:chOff x="0" y="0"/>
+          <a:chExt cx="0" cy="0"/>
+        </a:xfrm>
+      </p:grpSpPr>
+      <p:sp>
+        <p:nvSpPr>
+          <p:cNvPr id="2" name="Title 1">
+            <a:extLst>
+              <a:ext uri="{FF2B5EF4-FFF2-40B4-BE49-F238E27FC236}">
+                <a16:creationId xmlns:a16="http://schemas.microsoft.com/office/drawing/2014/main" id="{CB823093-CB7C-3E4E-BC5B-F5745A0F2A5D}"/>
+              </a:ext>
+            </a:extLst>
+          </p:cNvPr>
+          <p:cNvSpPr>
+            <a:spLocks noGrp="1"/>
+          </p:cNvSpPr>
+          <p:nvPr>
+            <p:ph type="title"/>
+          </p:nvPr>
+        </p:nvSpPr>
+        <p:spPr/>
+        <p:txBody>
+          <a:bodyPr/>
+          <a:lstStyle/>
+          <a:p>
+            <a:r>
+              <a:rPr lang="en-US" altLang="zh-Hans" dirty="0" err="1"/>
+              <a:t>Refferences</a:t>
+            </a:r>
+            <a:endParaRPr lang="en-US" dirty="0"/>
+          </a:p>
+        </p:txBody>
+      </p:sp>
+      <p:sp>
+        <p:nvSpPr>
+          <p:cNvPr id="3" name="Content Placeholder 2">
+            <a:extLst>
+              <a:ext uri="{FF2B5EF4-FFF2-40B4-BE49-F238E27FC236}">
+                <a16:creationId xmlns:a16="http://schemas.microsoft.com/office/drawing/2014/main" id="{B73B0125-B866-3B4A-B538-4A451C832DEF}"/>
+              </a:ext>
+            </a:extLst>
+          </p:cNvPr>
+          <p:cNvSpPr>
+            <a:spLocks noGrp="1"/>
+          </p:cNvSpPr>
+          <p:nvPr>
+            <p:ph idx="1"/>
+          </p:nvPr>
+        </p:nvSpPr>
+        <p:spPr/>
+        <p:txBody>
+          <a:bodyPr/>
+          <a:lstStyle/>
+          <a:p>
+            <a:r>
+              <a:rPr lang="en-US" dirty="0">
+                <a:hlinkClick r:id="rId2"/>
+              </a:rPr>
+              <a:t>https://github.com/drone/drone</a:t>
+            </a:r>
+            <a:endParaRPr lang="en-US" dirty="0"/>
+          </a:p>
+          <a:p>
+            <a:r>
+              <a:rPr lang="en-US" dirty="0">
+                <a:hlinkClick r:id="rId3"/>
+              </a:rPr>
+              <a:t>https://www.docker.com/</a:t>
+            </a:r>
+            <a:endParaRPr lang="en-US" dirty="0"/>
+          </a:p>
+          <a:p>
+            <a:pPr marL="0" indent="0">
+              <a:buNone/>
+            </a:pPr>
+            <a:endParaRPr lang="en-US" dirty="0"/>
+          </a:p>
+        </p:txBody>
+      </p:sp>
+    </p:spTree>
+    <p:extLst>
+      <p:ext uri="{BB962C8B-B14F-4D97-AF65-F5344CB8AC3E}">
+        <p14:creationId xmlns:p14="http://schemas.microsoft.com/office/powerpoint/2010/main" val="4222140501"/>
+      </p:ext>
+    </p:extLst>
+  </p:cSld>
+  <p:clrMapOvr>
+    <a:masterClrMapping/>
+  </p:clrMapOvr>
+  <mc:AlternateContent xmlns:mc="http://schemas.openxmlformats.org/markup-compatibility/2006" xmlns:p14="http://schemas.microsoft.com/office/powerpoint/2010/main">
+    <mc:Choice Requires="p14">
+      <p:transition p14:dur="250">
+        <p:fade/>
+      </p:transition>
+    </mc:Choice>
+    <mc:Fallback xmlns="">
+      <p:transition>
+        <p:fade/>
+      </p:transition>
+    </mc:Fallback>
+  </mc:AlternateContent>
+</p:sld>
+</file>
+
+<file path=ppt/slides/slide19.xml><?xml version="1.0" encoding="utf-8"?>
+<p:sld xmlns:a="http://schemas.openxmlformats.org/drawingml/2006/main" xmlns:r="http://schemas.openxmlformats.org/officeDocument/2006/relationships" xmlns:p="http://schemas.openxmlformats.org/presentationml/2006/main">
+  <p:cSld>
+    <p:spTree>
+      <p:nvGrpSpPr>
+        <p:cNvPr id="1" name=""/>
+        <p:cNvGrpSpPr/>
+        <p:nvPr/>
+      </p:nvGrpSpPr>
+      <p:grpSpPr>
+        <a:xfrm>
+          <a:off x="0" y="0"/>
+          <a:ext cx="0" cy="0"/>
+          <a:chOff x="0" y="0"/>
+          <a:chExt cx="0" cy="0"/>
+        </a:xfrm>
+      </p:grpSpPr>
+      <p:sp>
+        <p:nvSpPr>
+          <p:cNvPr id="2" name="Title 1">
+            <a:extLst>
+              <a:ext uri="{FF2B5EF4-FFF2-40B4-BE49-F238E27FC236}">
+                <a16:creationId xmlns:a16="http://schemas.microsoft.com/office/drawing/2014/main" id="{4EA632AE-0E7D-2C45-8A22-3A9BF2062254}"/>
+              </a:ext>
+            </a:extLst>
+          </p:cNvPr>
+          <p:cNvSpPr>
+            <a:spLocks noGrp="1"/>
+          </p:cNvSpPr>
+          <p:nvPr>
+            <p:ph type="title"/>
+          </p:nvPr>
+        </p:nvSpPr>
+        <p:spPr>
+          <a:xfrm>
+            <a:off x="738188" y="2740660"/>
+            <a:ext cx="10515600" cy="1325563"/>
+          </a:xfrm>
+        </p:spPr>
+        <p:txBody>
+          <a:bodyPr>
+            <a:normAutofit/>
+          </a:bodyPr>
+          <a:lstStyle/>
+          <a:p>
+            <a:pPr algn="ctr"/>
+            <a:r>
+              <a:rPr lang="en-US" altLang="zh-Hans" sz="8000" dirty="0"/>
+              <a:t>Thanks!</a:t>
+            </a:r>
+            <a:endParaRPr lang="en-US" sz="8000" dirty="0"/>
+          </a:p>
+        </p:txBody>
+      </p:sp>
+    </p:spTree>
+    <p:extLst>
+      <p:ext uri="{BB962C8B-B14F-4D97-AF65-F5344CB8AC3E}">
+        <p14:creationId xmlns:p14="http://schemas.microsoft.com/office/powerpoint/2010/main" val="3023317927"/>
+      </p:ext>
+    </p:extLst>
+  </p:cSld>
+  <p:clrMapOvr>
+    <a:masterClrMapping/>
+  </p:clrMapOvr>
+  <mc:AlternateContent xmlns:mc="http://schemas.openxmlformats.org/markup-compatibility/2006" xmlns:p14="http://schemas.microsoft.com/office/powerpoint/2010/main">
+    <mc:Choice Requires="p14">
+      <p:transition p14:dur="250">
+        <p:fade/>
+      </p:transition>
+    </mc:Choice>
+    <mc:Fallback xmlns="">
       <p:transition>
         <p:fade/>
       </p:transition>
@@ -4612,7 +4867,14 @@
         <p:cNvGrpSpPr/>
         <p:nvPr/>
       </p:nvGrpSpPr>
-      <p:grpSpPr/>
+      <p:grpSpPr>
+        <a:xfrm>
+          <a:off x="0" y="0"/>
+          <a:ext cx="0" cy="0"/>
+          <a:chOff x="0" y="0"/>
+          <a:chExt cx="0" cy="0"/>
+        </a:xfrm>
+      </p:grpSpPr>
       <p:sp>
         <p:nvSpPr>
           <p:cNvPr id="2" name="标题 1"/>
@@ -4626,12 +4888,12 @@
         <p:spPr/>
         <p:txBody>
           <a:bodyPr/>
+          <a:lstStyle/>
           <a:p>
             <a:r>
               <a:rPr lang="zh-CN" altLang="en-US"/>
               <a:t>前言</a:t>
             </a:r>
-            <a:endParaRPr lang="zh-CN" altLang="en-US"/>
           </a:p>
         </p:txBody>
       </p:sp>
@@ -4648,6 +4910,7 @@
         <p:spPr/>
         <p:txBody>
           <a:bodyPr/>
+          <a:lstStyle/>
           <a:p>
             <a:r>
               <a:rPr lang="en-US" altLang="zh-CN"/>
@@ -4657,7 +4920,6 @@
               <a:rPr lang="zh-CN" altLang="en-US"/>
               <a:t>，开源应用容器引擎，便于应用部署和管理</a:t>
             </a:r>
-            <a:endParaRPr lang="zh-CN" altLang="en-US"/>
           </a:p>
           <a:p>
             <a:r>
@@ -4692,7 +4954,6 @@
               <a:rPr lang="zh-CN" altLang="en-US"/>
               <a:t>语言开发</a:t>
             </a:r>
-            <a:endParaRPr lang="zh-CN" altLang="en-US"/>
           </a:p>
           <a:p>
             <a:r>
@@ -4718,13 +4979,13 @@
   <p:clrMapOvr>
     <a:masterClrMapping/>
   </p:clrMapOvr>
-  <mc:AlternateContent xmlns:mc="http://schemas.openxmlformats.org/markup-compatibility/2006">
-    <mc:Choice xmlns:p14="http://schemas.microsoft.com/office/powerpoint/2010/main" Requires="p14">
+  <mc:AlternateContent xmlns:mc="http://schemas.openxmlformats.org/markup-compatibility/2006" xmlns:p14="http://schemas.microsoft.com/office/powerpoint/2010/main">
+    <mc:Choice Requires="p14">
       <p:transition p14:dur="250">
         <p:fade/>
       </p:transition>
     </mc:Choice>
-    <mc:Fallback>
+    <mc:Fallback xmlns="">
       <p:transition>
         <p:fade/>
       </p:transition>
@@ -4742,7 +5003,14 @@
         <p:cNvGrpSpPr/>
         <p:nvPr/>
       </p:nvGrpSpPr>
-      <p:grpSpPr/>
+      <p:grpSpPr>
+        <a:xfrm>
+          <a:off x="0" y="0"/>
+          <a:ext cx="0" cy="0"/>
+          <a:chOff x="0" y="0"/>
+          <a:chExt cx="0" cy="0"/>
+        </a:xfrm>
+      </p:grpSpPr>
       <p:sp>
         <p:nvSpPr>
           <p:cNvPr id="2" name="标题 1"/>
@@ -4756,12 +5024,12 @@
         <p:spPr/>
         <p:txBody>
           <a:bodyPr/>
+          <a:lstStyle/>
           <a:p>
             <a:r>
               <a:rPr lang="en-US" altLang="zh-CN"/>
               <a:t>Demo</a:t>
             </a:r>
-            <a:endParaRPr lang="en-US" altLang="zh-CN"/>
           </a:p>
         </p:txBody>
       </p:sp>
@@ -4778,6 +5046,7 @@
         <p:spPr/>
         <p:txBody>
           <a:bodyPr/>
+          <a:lstStyle/>
           <a:p>
             <a:r>
               <a:rPr lang="zh-CN" altLang="en-US"/>
@@ -4799,7 +5068,6 @@
               <a:rPr lang="zh-CN" altLang="en-US"/>
               <a:t>风格应用</a:t>
             </a:r>
-            <a:endParaRPr lang="zh-CN" altLang="en-US"/>
           </a:p>
           <a:p>
             <a:r>
@@ -4814,7 +5082,6 @@
               <a:rPr lang="zh-CN" altLang="en-US"/>
               <a:t>打包，单元测试</a:t>
             </a:r>
-            <a:endParaRPr lang="zh-CN" altLang="en-US"/>
           </a:p>
           <a:p>
             <a:r>
@@ -4829,7 +5096,6 @@
               <a:rPr lang="zh-CN" altLang="en-US"/>
               <a:t>作为运行容器</a:t>
             </a:r>
-            <a:endParaRPr lang="zh-CN" altLang="en-US"/>
           </a:p>
           <a:p>
             <a:endParaRPr lang="zh-CN" altLang="en-US"/>
@@ -4841,13 +5107,13 @@
   <p:clrMapOvr>
     <a:masterClrMapping/>
   </p:clrMapOvr>
-  <mc:AlternateContent xmlns:mc="http://schemas.openxmlformats.org/markup-compatibility/2006">
-    <mc:Choice xmlns:p14="http://schemas.microsoft.com/office/powerpoint/2010/main" Requires="p14">
+  <mc:AlternateContent xmlns:mc="http://schemas.openxmlformats.org/markup-compatibility/2006" xmlns:p14="http://schemas.microsoft.com/office/powerpoint/2010/main">
+    <mc:Choice Requires="p14">
       <p:transition p14:dur="250">
         <p:fade/>
       </p:transition>
     </mc:Choice>
-    <mc:Fallback>
+    <mc:Fallback xmlns="">
       <p:transition>
         <p:fade/>
       </p:transition>
@@ -4865,7 +5131,14 @@
         <p:cNvGrpSpPr/>
         <p:nvPr/>
       </p:nvGrpSpPr>
-      <p:grpSpPr/>
+      <p:grpSpPr>
+        <a:xfrm>
+          <a:off x="0" y="0"/>
+          <a:ext cx="0" cy="0"/>
+          <a:chOff x="0" y="0"/>
+          <a:chExt cx="0" cy="0"/>
+        </a:xfrm>
+      </p:grpSpPr>
       <p:sp>
         <p:nvSpPr>
           <p:cNvPr id="2" name="标题 1"/>
@@ -4879,12 +5152,12 @@
         <p:spPr/>
         <p:txBody>
           <a:bodyPr/>
+          <a:lstStyle/>
           <a:p>
             <a:r>
               <a:rPr lang="en-US" altLang="zh-CN"/>
               <a:t>Demo-java</a:t>
             </a:r>
-            <a:endParaRPr lang="en-US" altLang="zh-CN"/>
           </a:p>
         </p:txBody>
       </p:sp>
@@ -4892,14 +5165,14 @@
         <p:nvPicPr>
           <p:cNvPr id="4" name="内容占位符 3"/>
           <p:cNvPicPr>
-            <a:picLocks noChangeAspect="1"/>
+            <a:picLocks noGrp="1" noChangeAspect="1"/>
           </p:cNvPicPr>
           <p:nvPr>
             <p:ph idx="1"/>
           </p:nvPr>
         </p:nvPicPr>
         <p:blipFill>
-          <a:blip r:embed="rId1"/>
+          <a:blip r:embed="rId2"/>
           <a:stretch>
             <a:fillRect/>
           </a:stretch>
@@ -4919,13 +5192,13 @@
   <p:clrMapOvr>
     <a:masterClrMapping/>
   </p:clrMapOvr>
-  <mc:AlternateContent xmlns:mc="http://schemas.openxmlformats.org/markup-compatibility/2006">
-    <mc:Choice xmlns:p14="http://schemas.microsoft.com/office/powerpoint/2010/main" Requires="p14">
+  <mc:AlternateContent xmlns:mc="http://schemas.openxmlformats.org/markup-compatibility/2006" xmlns:p14="http://schemas.microsoft.com/office/powerpoint/2010/main">
+    <mc:Choice Requires="p14">
       <p:transition p14:dur="250">
         <p:fade/>
       </p:transition>
     </mc:Choice>
-    <mc:Fallback>
+    <mc:Fallback xmlns="">
       <p:transition>
         <p:fade/>
       </p:transition>
@@ -4943,7 +5216,14 @@
         <p:cNvGrpSpPr/>
         <p:nvPr/>
       </p:nvGrpSpPr>
-      <p:grpSpPr/>
+      <p:grpSpPr>
+        <a:xfrm>
+          <a:off x="0" y="0"/>
+          <a:ext cx="0" cy="0"/>
+          <a:chOff x="0" y="0"/>
+          <a:chExt cx="0" cy="0"/>
+        </a:xfrm>
+      </p:grpSpPr>
       <p:sp>
         <p:nvSpPr>
           <p:cNvPr id="2" name="标题 1"/>
@@ -4957,12 +5237,12 @@
         <p:spPr/>
         <p:txBody>
           <a:bodyPr/>
+          <a:lstStyle/>
           <a:p>
             <a:r>
               <a:rPr lang="en-US" altLang="zh-CN"/>
               <a:t>Demo-java</a:t>
             </a:r>
-            <a:endParaRPr lang="en-US" altLang="zh-CN"/>
           </a:p>
         </p:txBody>
       </p:sp>
@@ -4970,14 +5250,14 @@
         <p:nvPicPr>
           <p:cNvPr id="4" name="内容占位符 3"/>
           <p:cNvPicPr>
-            <a:picLocks noChangeAspect="1"/>
+            <a:picLocks noGrp="1" noChangeAspect="1"/>
           </p:cNvPicPr>
           <p:nvPr>
             <p:ph idx="1"/>
           </p:nvPr>
         </p:nvPicPr>
         <p:blipFill>
-          <a:blip r:embed="rId1"/>
+          <a:blip r:embed="rId2"/>
           <a:stretch>
             <a:fillRect/>
           </a:stretch>
@@ -4997,13 +5277,13 @@
   <p:clrMapOvr>
     <a:masterClrMapping/>
   </p:clrMapOvr>
-  <mc:AlternateContent xmlns:mc="http://schemas.openxmlformats.org/markup-compatibility/2006">
-    <mc:Choice xmlns:p14="http://schemas.microsoft.com/office/powerpoint/2010/main" Requires="p14">
+  <mc:AlternateContent xmlns:mc="http://schemas.openxmlformats.org/markup-compatibility/2006" xmlns:p14="http://schemas.microsoft.com/office/powerpoint/2010/main">
+    <mc:Choice Requires="p14">
       <p:transition p14:dur="250">
         <p:fade/>
       </p:transition>
     </mc:Choice>
-    <mc:Fallback>
+    <mc:Fallback xmlns="">
       <p:transition>
         <p:fade/>
       </p:transition>
@@ -5021,7 +5301,14 @@
         <p:cNvGrpSpPr/>
         <p:nvPr/>
       </p:nvGrpSpPr>
-      <p:grpSpPr/>
+      <p:grpSpPr>
+        <a:xfrm>
+          <a:off x="0" y="0"/>
+          <a:ext cx="0" cy="0"/>
+          <a:chOff x="0" y="0"/>
+          <a:chExt cx="0" cy="0"/>
+        </a:xfrm>
+      </p:grpSpPr>
       <p:sp>
         <p:nvSpPr>
           <p:cNvPr id="2" name="标题 1"/>
@@ -5035,12 +5322,12 @@
         <p:spPr/>
         <p:txBody>
           <a:bodyPr/>
+          <a:lstStyle/>
           <a:p>
             <a:r>
               <a:rPr lang="en-US" altLang="zh-CN"/>
               <a:t>Demo-drone</a:t>
             </a:r>
-            <a:endParaRPr lang="en-US" altLang="zh-CN"/>
           </a:p>
         </p:txBody>
       </p:sp>
@@ -5062,6 +5349,7 @@
         </p:spPr>
         <p:txBody>
           <a:bodyPr/>
+          <a:lstStyle/>
           <a:p>
             <a:r>
               <a:rPr lang="en-US" altLang="zh-CN"/>
@@ -5095,7 +5383,6 @@
               <a:rPr lang="zh-CN" altLang="en-US"/>
               <a:t>的参数即可。</a:t>
             </a:r>
-            <a:endParaRPr lang="zh-CN" altLang="en-US"/>
           </a:p>
           <a:p>
             <a:r>
@@ -5126,7 +5413,6 @@
               <a:rPr lang="zh-CN" altLang="en-US"/>
               <a:t>帐户名。</a:t>
             </a:r>
-            <a:endParaRPr lang="zh-CN" altLang="en-US"/>
           </a:p>
           <a:p>
             <a:pPr marL="0" indent="0">
@@ -5148,7 +5434,7 @@
           <p:nvPr/>
         </p:nvPicPr>
         <p:blipFill>
-          <a:blip r:embed="rId1"/>
+          <a:blip r:embed="rId2"/>
           <a:stretch>
             <a:fillRect/>
           </a:stretch>
@@ -5168,13 +5454,13 @@
   <p:clrMapOvr>
     <a:masterClrMapping/>
   </p:clrMapOvr>
-  <mc:AlternateContent xmlns:mc="http://schemas.openxmlformats.org/markup-compatibility/2006">
-    <mc:Choice xmlns:p14="http://schemas.microsoft.com/office/powerpoint/2010/main" Requires="p14">
+  <mc:AlternateContent xmlns:mc="http://schemas.openxmlformats.org/markup-compatibility/2006" xmlns:p14="http://schemas.microsoft.com/office/powerpoint/2010/main">
+    <mc:Choice Requires="p14">
       <p:transition p14:dur="250">
         <p:fade/>
       </p:transition>
     </mc:Choice>
-    <mc:Fallback>
+    <mc:Fallback xmlns="">
       <p:transition>
         <p:fade/>
       </p:transition>
@@ -5192,7 +5478,14 @@
         <p:cNvGrpSpPr/>
         <p:nvPr/>
       </p:nvGrpSpPr>
-      <p:grpSpPr/>
+      <p:grpSpPr>
+        <a:xfrm>
+          <a:off x="0" y="0"/>
+          <a:ext cx="0" cy="0"/>
+          <a:chOff x="0" y="0"/>
+          <a:chExt cx="0" cy="0"/>
+        </a:xfrm>
+      </p:grpSpPr>
       <p:sp>
         <p:nvSpPr>
           <p:cNvPr id="2" name="标题 1"/>
@@ -5206,12 +5499,12 @@
         <p:spPr/>
         <p:txBody>
           <a:bodyPr/>
+          <a:lstStyle/>
           <a:p>
             <a:r>
               <a:rPr lang="en-US" altLang="zh-CN"/>
               <a:t>Demo-github</a:t>
             </a:r>
-            <a:endParaRPr lang="en-US" altLang="zh-CN"/>
           </a:p>
         </p:txBody>
       </p:sp>
@@ -5228,6 +5521,7 @@
         <p:spPr/>
         <p:txBody>
           <a:bodyPr/>
+          <a:lstStyle/>
           <a:p>
             <a:r>
               <a:rPr lang="en-US" altLang="zh-CN"/>
@@ -5249,7 +5543,6 @@
               <a:rPr lang="en-US" altLang="zh-CN"/>
               <a:t>application</a:t>
             </a:r>
-            <a:endParaRPr lang="en-US" altLang="zh-CN"/>
           </a:p>
           <a:p>
             <a:endParaRPr lang="en-US" altLang="zh-CN"/>
@@ -5265,7 +5558,7 @@
           <p:nvPr/>
         </p:nvPicPr>
         <p:blipFill>
-          <a:blip r:embed="rId1"/>
+          <a:blip r:embed="rId2"/>
           <a:stretch>
             <a:fillRect/>
           </a:stretch>
@@ -5285,13 +5578,13 @@
   <p:clrMapOvr>
     <a:masterClrMapping/>
   </p:clrMapOvr>
-  <mc:AlternateContent xmlns:mc="http://schemas.openxmlformats.org/markup-compatibility/2006">
-    <mc:Choice xmlns:p14="http://schemas.microsoft.com/office/powerpoint/2010/main" Requires="p14">
+  <mc:AlternateContent xmlns:mc="http://schemas.openxmlformats.org/markup-compatibility/2006" xmlns:p14="http://schemas.microsoft.com/office/powerpoint/2010/main">
+    <mc:Choice Requires="p14">
       <p:transition p14:dur="250">
         <p:fade/>
       </p:transition>
     </mc:Choice>
-    <mc:Fallback>
+    <mc:Fallback xmlns="">
       <p:transition>
         <p:fade/>
       </p:transition>
@@ -5309,7 +5602,14 @@
         <p:cNvGrpSpPr/>
         <p:nvPr/>
       </p:nvGrpSpPr>
-      <p:grpSpPr/>
+      <p:grpSpPr>
+        <a:xfrm>
+          <a:off x="0" y="0"/>
+          <a:ext cx="0" cy="0"/>
+          <a:chOff x="0" y="0"/>
+          <a:chExt cx="0" cy="0"/>
+        </a:xfrm>
+      </p:grpSpPr>
       <p:sp>
         <p:nvSpPr>
           <p:cNvPr id="2" name="标题 1"/>
@@ -5323,12 +5623,12 @@
         <p:spPr/>
         <p:txBody>
           <a:bodyPr/>
+          <a:lstStyle/>
           <a:p>
             <a:r>
               <a:rPr lang="en-US" altLang="zh-CN"/>
               <a:t>Demo-github</a:t>
             </a:r>
-            <a:endParaRPr lang="en-US" altLang="zh-CN"/>
           </a:p>
         </p:txBody>
       </p:sp>
@@ -5336,14 +5636,14 @@
         <p:nvPicPr>
           <p:cNvPr id="4" name="内容占位符 3"/>
           <p:cNvPicPr>
-            <a:picLocks noChangeAspect="1"/>
+            <a:picLocks noGrp="1" noChangeAspect="1"/>
           </p:cNvPicPr>
           <p:nvPr>
             <p:ph idx="1"/>
           </p:nvPr>
         </p:nvPicPr>
         <p:blipFill>
-          <a:blip r:embed="rId1"/>
+          <a:blip r:embed="rId2"/>
           <a:stretch>
             <a:fillRect/>
           </a:stretch>
@@ -5363,13 +5663,13 @@
   <p:clrMapOvr>
     <a:masterClrMapping/>
   </p:clrMapOvr>
-  <mc:AlternateContent xmlns:mc="http://schemas.openxmlformats.org/markup-compatibility/2006">
-    <mc:Choice xmlns:p14="http://schemas.microsoft.com/office/powerpoint/2010/main" Requires="p14">
+  <mc:AlternateContent xmlns:mc="http://schemas.openxmlformats.org/markup-compatibility/2006" xmlns:p14="http://schemas.microsoft.com/office/powerpoint/2010/main">
+    <mc:Choice Requires="p14">
       <p:transition p14:dur="250">
         <p:fade/>
       </p:transition>
     </mc:Choice>
-    <mc:Fallback>
+    <mc:Fallback xmlns="">
       <p:transition>
         <p:fade/>
       </p:transition>
@@ -5387,7 +5687,14 @@
         <p:cNvGrpSpPr/>
         <p:nvPr/>
       </p:nvGrpSpPr>
-      <p:grpSpPr/>
+      <p:grpSpPr>
+        <a:xfrm>
+          <a:off x="0" y="0"/>
+          <a:ext cx="0" cy="0"/>
+          <a:chOff x="0" y="0"/>
+          <a:chExt cx="0" cy="0"/>
+        </a:xfrm>
+      </p:grpSpPr>
       <p:sp>
         <p:nvSpPr>
           <p:cNvPr id="2" name="标题 1"/>
@@ -5401,12 +5708,12 @@
         <p:spPr/>
         <p:txBody>
           <a:bodyPr/>
+          <a:lstStyle/>
           <a:p>
             <a:r>
               <a:rPr lang="en-US" altLang="zh-CN"/>
               <a:t>Demo-github</a:t>
             </a:r>
-            <a:endParaRPr lang="en-US" altLang="zh-CN"/>
           </a:p>
         </p:txBody>
       </p:sp>
@@ -5428,6 +5735,7 @@
         </p:spPr>
         <p:txBody>
           <a:bodyPr/>
+          <a:lstStyle/>
           <a:p>
             <a:r>
               <a:rPr lang="zh-CN" altLang="en-US"/>
@@ -5445,7 +5753,6 @@
               <a:rPr lang="en-US" altLang="zh-CN"/>
               <a:t>drone reference</a:t>
             </a:r>
-            <a:endParaRPr lang="en-US" altLang="zh-CN"/>
           </a:p>
           <a:p>
             <a:endParaRPr lang="en-US" altLang="zh-CN"/>
@@ -5461,7 +5768,7 @@
           <p:nvPr/>
         </p:nvPicPr>
         <p:blipFill>
-          <a:blip r:embed="rId1"/>
+          <a:blip r:embed="rId2"/>
           <a:stretch>
             <a:fillRect/>
           </a:stretch>
@@ -5481,13 +5788,13 @@
   <p:clrMapOvr>
     <a:masterClrMapping/>
   </p:clrMapOvr>
-  <mc:AlternateContent xmlns:mc="http://schemas.openxmlformats.org/markup-compatibility/2006">
-    <mc:Choice xmlns:p14="http://schemas.microsoft.com/office/powerpoint/2010/main" Requires="p14">
+  <mc:AlternateContent xmlns:mc="http://schemas.openxmlformats.org/markup-compatibility/2006" xmlns:p14="http://schemas.microsoft.com/office/powerpoint/2010/main">
+    <mc:Choice Requires="p14">
       <p:transition p14:dur="250">
         <p:fade/>
       </p:transition>
     </mc:Choice>
-    <mc:Fallback>
+    <mc:Fallback xmlns="">
       <p:transition>
         <p:fade/>
       </p:transition>
@@ -5747,6 +6054,8 @@
       </a:bgFillStyleLst>
     </a:fmtScheme>
   </a:themeElements>
+  <a:objectDefaults/>
+  <a:extraClrSchemeLst/>
   <a:extLst>
     <a:ext uri="{05A4C25C-085E-4340-85A3-A5531E510DB2}">
       <thm15:themeFamily xmlns:thm15="http://schemas.microsoft.com/office/thememl/2012/main" name="Office Theme" id="{62F939B6-93AF-4DB8-9C6B-D6C7DFDC589F}" vid="{4A3C46E8-61CC-4603-A589-7422A47A8E4A}"/>
@@ -6006,6 +6315,8 @@
       </a:bgFillStyleLst>
     </a:fmtScheme>
   </a:themeElements>
+  <a:objectDefaults/>
+  <a:extraClrSchemeLst/>
   <a:extLst>
     <a:ext uri="{05A4C25C-085E-4340-85A3-A5531E510DB2}">
       <thm15:themeFamily xmlns:thm15="http://schemas.microsoft.com/office/thememl/2012/main" name="Office Theme" id="{62F939B6-93AF-4DB8-9C6B-D6C7DFDC589F}" vid="{4A3C46E8-61CC-4603-A589-7422A47A8E4A}"/>
